--- a/CLIC_SARGENT.pptx
+++ b/CLIC_SARGENT.pptx
@@ -107,7 +107,16 @@
       </a:defRPr>
     </a:lvl9pPr>
   </p:defaultTextStyle>
+  <p:extLst>
+    <p:ext uri="{EFAFB233-063F-42B5-8137-9DF3F51BA10A}">
+      <p15:sldGuideLst xmlns:p15="http://schemas.microsoft.com/office/powerpoint/2012/main"/>
+    </p:ext>
+  </p:extLst>
 </p:presentation>
+</file>
+
+<file path=ppt/revisionInfo.xml><?xml version="1.0" encoding="utf-8"?>
+<p1510:revInfo xmlns:a="http://schemas.openxmlformats.org/drawingml/2006/main" xmlns:r="http://schemas.openxmlformats.org/officeDocument/2006/relationships" xmlns:p1510="http://schemas.microsoft.com/office/powerpoint/2015/10/main"/>
 </file>
 
 <file path=ppt/slideLayouts/slideLayout1.xml><?xml version="1.0" encoding="utf-8"?>
@@ -205,7 +214,7 @@
           <a:effectLst/>
           <a:extLst>
             <a:ext uri="{91240B29-F687-4f45-9708-019B960494DF}">
-              <a14:hiddenLine xmlns="" xmlns:a14="http://schemas.microsoft.com/office/drawing/2010/main" w="9525">
+              <a14:hiddenLine xmlns:a14="http://schemas.microsoft.com/office/drawing/2010/main" xmlns="" w="9525">
                 <a:solidFill>
                   <a:srgbClr val="000000"/>
                 </a:solidFill>
@@ -398,7 +407,7 @@
             <a:fld id="{08B9EBBA-996F-894A-B54A-D6246ED52CEA}" type="datetimeFigureOut">
               <a:rPr lang="en-US" dirty="0"/>
               <a:pPr/>
-              <a:t>11/17/2017</a:t>
+              <a:t>11/18/2017</a:t>
             </a:fld>
             <a:endParaRPr lang="en-US" dirty="0"/>
           </a:p>
@@ -713,7 +722,7 @@
             <a:fld id="{18C79C5D-2A6F-F04D-97DA-BEF2467B64E4}" type="datetimeFigureOut">
               <a:rPr lang="en-US" dirty="0"/>
               <a:pPr/>
-              <a:t>11/17/2017</a:t>
+              <a:t>11/18/2017</a:t>
             </a:fld>
             <a:endParaRPr lang="en-US" dirty="0"/>
           </a:p>
@@ -1198,7 +1207,7 @@
             <a:fld id="{8DFA1846-DA80-1C48-A609-854EA85C59AD}" type="datetimeFigureOut">
               <a:rPr lang="en-US" dirty="0"/>
               <a:pPr/>
-              <a:t>11/17/2017</a:t>
+              <a:t>11/18/2017</a:t>
             </a:fld>
             <a:endParaRPr lang="en-US" dirty="0"/>
           </a:p>
@@ -1564,7 +1573,7 @@
             <a:fld id="{FBF54567-0DE4-3F47-BF90-CB84690072F9}" type="datetimeFigureOut">
               <a:rPr lang="en-US" dirty="0"/>
               <a:pPr/>
-              <a:t>11/17/2017</a:t>
+              <a:t>11/18/2017</a:t>
             </a:fld>
             <a:endParaRPr lang="en-US" dirty="0"/>
           </a:p>
@@ -1715,7 +1724,7 @@
           <a:ln/>
           <a:extLst>
             <a:ext uri="{91240B29-F687-4f45-9708-019B960494DF}">
-              <a14:hiddenLine xmlns="" xmlns:a14="http://schemas.microsoft.com/office/drawing/2010/main" w="9525">
+              <a14:hiddenLine xmlns:a14="http://schemas.microsoft.com/office/drawing/2010/main" xmlns="" w="9525">
                 <a:solidFill>
                   <a:srgbClr val="000000"/>
                 </a:solidFill>
@@ -1834,7 +1843,7 @@
             <a:fld id="{C6C52C72-DE31-F449-A4ED-4C594FD91407}" type="datetimeFigureOut">
               <a:rPr lang="en-US" dirty="0"/>
               <a:pPr/>
-              <a:t>11/17/2017</a:t>
+              <a:t>11/18/2017</a:t>
             </a:fld>
             <a:endParaRPr lang="en-US" dirty="0"/>
           </a:p>
@@ -1987,7 +1996,7 @@
           <a:ln/>
           <a:extLst>
             <a:ext uri="{91240B29-F687-4f45-9708-019B960494DF}">
-              <a14:hiddenLine xmlns="" xmlns:a14="http://schemas.microsoft.com/office/drawing/2010/main" w="9525">
+              <a14:hiddenLine xmlns:a14="http://schemas.microsoft.com/office/drawing/2010/main" xmlns="" w="9525">
                 <a:solidFill>
                   <a:srgbClr val="000000"/>
                 </a:solidFill>
@@ -2116,7 +2125,7 @@
             <a:fld id="{ED62726E-379B-B349-9EED-81ED093FA806}" type="datetimeFigureOut">
               <a:rPr lang="en-US" dirty="0"/>
               <a:pPr/>
-              <a:t>11/17/2017</a:t>
+              <a:t>11/18/2017</a:t>
             </a:fld>
             <a:endParaRPr lang="en-US" dirty="0"/>
           </a:p>
@@ -2267,7 +2276,7 @@
           <a:ln/>
           <a:extLst>
             <a:ext uri="{91240B29-F687-4f45-9708-019B960494DF}">
-              <a14:hiddenLine xmlns="" xmlns:a14="http://schemas.microsoft.com/office/drawing/2010/main" w="9525">
+              <a14:hiddenLine xmlns:a14="http://schemas.microsoft.com/office/drawing/2010/main" xmlns="" w="9525">
                 <a:solidFill>
                   <a:srgbClr val="000000"/>
                 </a:solidFill>
@@ -2396,7 +2405,7 @@
             <a:fld id="{9B3A1323-8D79-1946-B0D7-40001CF92E9D}" type="datetimeFigureOut">
               <a:rPr lang="en-US" dirty="0"/>
               <a:pPr/>
-              <a:t>11/17/2017</a:t>
+              <a:t>11/18/2017</a:t>
             </a:fld>
             <a:endParaRPr lang="en-US" dirty="0"/>
           </a:p>
@@ -2736,7 +2745,7 @@
             <a:fld id="{8DFA1846-DA80-1C48-A609-854EA85C59AD}" type="datetimeFigureOut">
               <a:rPr lang="en-US" dirty="0"/>
               <a:pPr/>
-              <a:t>11/17/2017</a:t>
+              <a:t>11/18/2017</a:t>
             </a:fld>
             <a:endParaRPr lang="en-US" dirty="0"/>
           </a:p>
@@ -2887,7 +2896,7 @@
           <a:ln/>
           <a:extLst>
             <a:ext uri="{91240B29-F687-4f45-9708-019B960494DF}">
-              <a14:hiddenLine xmlns="" xmlns:a14="http://schemas.microsoft.com/office/drawing/2010/main" w="9525">
+              <a14:hiddenLine xmlns:a14="http://schemas.microsoft.com/office/drawing/2010/main" xmlns="" w="9525">
                 <a:solidFill>
                   <a:srgbClr val="000000"/>
                 </a:solidFill>
@@ -3072,7 +3081,7 @@
             <a:fld id="{57302355-E14B-8545-A8F8-0FE83CC9D524}" type="datetimeFigureOut">
               <a:rPr lang="en-US" dirty="0"/>
               <a:pPr/>
-              <a:t>11/17/2017</a:t>
+              <a:t>11/18/2017</a:t>
             </a:fld>
             <a:endParaRPr lang="en-US" dirty="0"/>
           </a:p>
@@ -3223,7 +3232,7 @@
           <a:ln/>
           <a:extLst>
             <a:ext uri="{91240B29-F687-4f45-9708-019B960494DF}">
-              <a14:hiddenLine xmlns="" xmlns:a14="http://schemas.microsoft.com/office/drawing/2010/main" w="9525">
+              <a14:hiddenLine xmlns:a14="http://schemas.microsoft.com/office/drawing/2010/main" xmlns="" w="9525">
                 <a:solidFill>
                   <a:srgbClr val="000000"/>
                 </a:solidFill>
@@ -3546,7 +3555,7 @@
             <a:fld id="{02640F58-564D-2B4F-AE67-E407BA4FCF45}" type="datetimeFigureOut">
               <a:rPr lang="en-US" dirty="0"/>
               <a:pPr/>
-              <a:t>11/17/2017</a:t>
+              <a:t>11/18/2017</a:t>
             </a:fld>
             <a:endParaRPr lang="en-US" dirty="0"/>
           </a:p>
@@ -3697,7 +3706,7 @@
           <a:ln/>
           <a:extLst>
             <a:ext uri="{91240B29-F687-4f45-9708-019B960494DF}">
-              <a14:hiddenLine xmlns="" xmlns:a14="http://schemas.microsoft.com/office/drawing/2010/main" w="9525">
+              <a14:hiddenLine xmlns:a14="http://schemas.microsoft.com/office/drawing/2010/main" xmlns="" w="9525">
                 <a:solidFill>
                   <a:srgbClr val="000000"/>
                 </a:solidFill>
@@ -3764,7 +3773,7 @@
             <a:fld id="{F13A34C8-038E-2045-AF43-DF7DBB8E0E9E}" type="datetimeFigureOut">
               <a:rPr lang="en-US" dirty="0"/>
               <a:pPr/>
-              <a:t>11/17/2017</a:t>
+              <a:t>11/18/2017</a:t>
             </a:fld>
             <a:endParaRPr lang="en-US" dirty="0"/>
           </a:p>
@@ -3856,7 +3865,7 @@
             <a:fld id="{8818C68F-D26B-8F47-958C-23B49CF8A634}" type="datetimeFigureOut">
               <a:rPr lang="en-US" dirty="0"/>
               <a:pPr/>
-              <a:t>11/17/2017</a:t>
+              <a:t>11/18/2017</a:t>
             </a:fld>
             <a:endParaRPr lang="en-US" dirty="0"/>
           </a:p>
@@ -4120,7 +4129,7 @@
           <a:ln/>
           <a:extLst>
             <a:ext uri="{91240B29-F687-4f45-9708-019B960494DF}">
-              <a14:hiddenLine xmlns="" xmlns:a14="http://schemas.microsoft.com/office/drawing/2010/main" w="9525">
+              <a14:hiddenLine xmlns:a14="http://schemas.microsoft.com/office/drawing/2010/main" xmlns="" w="9525">
                 <a:solidFill>
                   <a:srgbClr val="000000"/>
                 </a:solidFill>
@@ -4320,7 +4329,7 @@
             <a:fld id="{D0DF5E60-9974-AC48-9591-99C2BB44B7CF}" type="datetimeFigureOut">
               <a:rPr lang="en-US" dirty="0"/>
               <a:pPr/>
-              <a:t>11/17/2017</a:t>
+              <a:t>11/18/2017</a:t>
             </a:fld>
             <a:endParaRPr lang="en-US" dirty="0"/>
           </a:p>
@@ -4630,7 +4639,7 @@
             <a:fld id="{18C79C5D-2A6F-F04D-97DA-BEF2467B64E4}" type="datetimeFigureOut">
               <a:rPr lang="en-US" dirty="0"/>
               <a:pPr/>
-              <a:t>11/17/2017</a:t>
+              <a:t>11/18/2017</a:t>
             </a:fld>
             <a:endParaRPr lang="en-US" dirty="0"/>
           </a:p>
@@ -4897,7 +4906,7 @@
             <a:fld id="{09B482E8-6E0E-1B4F-B1FD-C69DB9E858D9}" type="datetimeFigureOut">
               <a:rPr lang="en-US" dirty="0"/>
               <a:pPr/>
-              <a:t>11/17/2017</a:t>
+              <a:t>11/18/2017</a:t>
             </a:fld>
             <a:endParaRPr lang="en-US" dirty="0"/>
           </a:p>
@@ -5683,7 +5692,7 @@
 <file path=ppt/theme/theme1.xml><?xml version="1.0" encoding="utf-8"?>
 <a:theme xmlns:a="http://schemas.openxmlformats.org/drawingml/2006/main" name="Quotable">
   <a:themeElements>
-    <a:clrScheme name="Quotable">
+    <a:clrScheme name="Custom 2">
       <a:dk1>
         <a:sysClr val="windowText" lastClr="000000"/>
       </a:dk1>
@@ -5697,10 +5706,10 @@
         <a:srgbClr val="636363"/>
       </a:lt2>
       <a:accent1>
-        <a:srgbClr val="F03B5E"/>
+        <a:srgbClr val="E24ACC"/>
       </a:accent1>
       <a:accent2>
-        <a:srgbClr val="DC6FEC"/>
+        <a:srgbClr val="C922E1"/>
       </a:accent2>
       <a:accent3>
         <a:srgbClr val="60B1F2"/>

--- a/CLIC_SARGENT.pptx
+++ b/CLIC_SARGENT.pptx
@@ -6,9 +6,10 @@
   </p:sldMasterIdLst>
   <p:sldIdLst>
     <p:sldId id="256" r:id="rId2"/>
-    <p:sldId id="257" r:id="rId3"/>
-    <p:sldId id="258" r:id="rId4"/>
-    <p:sldId id="259" r:id="rId5"/>
+    <p:sldId id="260" r:id="rId3"/>
+    <p:sldId id="257" r:id="rId4"/>
+    <p:sldId id="261" r:id="rId5"/>
+    <p:sldId id="259" r:id="rId6"/>
   </p:sldIdLst>
   <p:sldSz cx="12192000" cy="6858000"/>
   <p:notesSz cx="6858000" cy="9144000"/>
@@ -5443,7 +5444,7 @@
           <p:cNvPr id="2" name="Title 1">
             <a:extLst>
               <a:ext uri="{FF2B5EF4-FFF2-40B4-BE49-F238E27FC236}">
-                <a16:creationId xmlns:a16="http://schemas.microsoft.com/office/drawing/2014/main" id="{8A7957A5-7F94-44D2-83C8-7EFD597721BF}"/>
+                <a16:creationId xmlns:a16="http://schemas.microsoft.com/office/drawing/2014/main" id="{6174CA65-F825-4CC8-A7E5-D7B009EDB769}"/>
               </a:ext>
             </a:extLst>
           </p:cNvPr>
@@ -5461,7 +5462,7 @@
           <a:p>
             <a:r>
               <a:rPr lang="en-GB" dirty="0"/>
-              <a:t>Proposed Layout</a:t>
+              <a:t>Our proposed solution</a:t>
             </a:r>
           </a:p>
         </p:txBody>
@@ -5471,7 +5472,7 @@
           <p:cNvPr id="3" name="Content Placeholder 2">
             <a:extLst>
               <a:ext uri="{FF2B5EF4-FFF2-40B4-BE49-F238E27FC236}">
-                <a16:creationId xmlns:a16="http://schemas.microsoft.com/office/drawing/2014/main" id="{5359EE83-3AD0-4C5A-AF59-C849F5625978}"/>
+                <a16:creationId xmlns:a16="http://schemas.microsoft.com/office/drawing/2014/main" id="{0C790F57-0372-410E-9E7B-68EFA1D9BA55}"/>
               </a:ext>
             </a:extLst>
           </p:cNvPr>
@@ -5487,14 +5488,20 @@
           <a:bodyPr/>
           <a:lstStyle/>
           <a:p>
-            <a:endParaRPr lang="en-GB"/>
+            <a:r>
+              <a:rPr lang="en-GB" dirty="0"/>
+              <a:t>Based on the ideas presented by CLIC Sargent yesterday afternoon, we  set off initially by determining what we deemed to be an important aspect of the desired application and making that our focus</a:t>
+            </a:r>
+          </a:p>
+          <a:p>
+            <a:endParaRPr lang="en-GB" dirty="0"/>
           </a:p>
         </p:txBody>
       </p:sp>
     </p:spTree>
     <p:extLst>
       <p:ext uri="{BB962C8B-B14F-4D97-AF65-F5344CB8AC3E}">
-        <p14:creationId xmlns:p14="http://schemas.microsoft.com/office/powerpoint/2010/main" val="1665389819"/>
+        <p14:creationId xmlns:p14="http://schemas.microsoft.com/office/powerpoint/2010/main" val="2128530554"/>
       </p:ext>
     </p:extLst>
   </p:cSld>
@@ -5526,7 +5533,7 @@
           <p:cNvPr id="2" name="Title 1">
             <a:extLst>
               <a:ext uri="{FF2B5EF4-FFF2-40B4-BE49-F238E27FC236}">
-                <a16:creationId xmlns:a16="http://schemas.microsoft.com/office/drawing/2014/main" id="{3EE401EF-A535-47C1-93BA-116CE8BF86AE}"/>
+                <a16:creationId xmlns:a16="http://schemas.microsoft.com/office/drawing/2014/main" id="{8A7957A5-7F94-44D2-83C8-7EFD597721BF}"/>
               </a:ext>
             </a:extLst>
           </p:cNvPr>
@@ -5542,7 +5549,10 @@
           <a:bodyPr/>
           <a:lstStyle/>
           <a:p>
-            <a:endParaRPr lang="en-GB"/>
+            <a:r>
+              <a:rPr lang="en-GB" dirty="0"/>
+              <a:t>Aims of proposed solution</a:t>
+            </a:r>
           </a:p>
         </p:txBody>
       </p:sp>
@@ -5551,7 +5561,7 @@
           <p:cNvPr id="3" name="Content Placeholder 2">
             <a:extLst>
               <a:ext uri="{FF2B5EF4-FFF2-40B4-BE49-F238E27FC236}">
-                <a16:creationId xmlns:a16="http://schemas.microsoft.com/office/drawing/2014/main" id="{948EE1F6-8AB9-43D8-A486-E76F93FC23F1}"/>
+                <a16:creationId xmlns:a16="http://schemas.microsoft.com/office/drawing/2014/main" id="{5359EE83-3AD0-4C5A-AF59-C849F5625978}"/>
               </a:ext>
             </a:extLst>
           </p:cNvPr>
@@ -5567,14 +5577,27 @@
           <a:bodyPr/>
           <a:lstStyle/>
           <a:p>
-            <a:endParaRPr lang="en-GB"/>
+            <a:r>
+              <a:rPr lang="en-GB" dirty="0"/>
+              <a:t>With our solution we aim to target a demographic of young teens between the ages of 13 and 18</a:t>
+            </a:r>
+          </a:p>
+          <a:p>
+            <a:r>
+              <a:rPr lang="en-GB" dirty="0"/>
+              <a:t>Having spoken to Michael Wilkinson later, we found out more about this </a:t>
+            </a:r>
+            <a:r>
+              <a:rPr lang="en-GB"/>
+              <a:t>demograpgic</a:t>
+            </a:r>
           </a:p>
         </p:txBody>
       </p:sp>
     </p:spTree>
     <p:extLst>
       <p:ext uri="{BB962C8B-B14F-4D97-AF65-F5344CB8AC3E}">
-        <p14:creationId xmlns:p14="http://schemas.microsoft.com/office/powerpoint/2010/main" val="3705965181"/>
+        <p14:creationId xmlns:p14="http://schemas.microsoft.com/office/powerpoint/2010/main" val="1665389819"/>
       </p:ext>
     </p:extLst>
   </p:cSld>
@@ -5606,6 +5629,86 @@
           <p:cNvPr id="2" name="Title 1">
             <a:extLst>
               <a:ext uri="{FF2B5EF4-FFF2-40B4-BE49-F238E27FC236}">
+                <a16:creationId xmlns:a16="http://schemas.microsoft.com/office/drawing/2014/main" id="{006206E1-ABFF-4665-B925-63F8016C7504}"/>
+              </a:ext>
+            </a:extLst>
+          </p:cNvPr>
+          <p:cNvSpPr>
+            <a:spLocks noGrp="1"/>
+          </p:cNvSpPr>
+          <p:nvPr>
+            <p:ph type="title"/>
+          </p:nvPr>
+        </p:nvSpPr>
+        <p:spPr/>
+        <p:txBody>
+          <a:bodyPr/>
+          <a:lstStyle/>
+          <a:p>
+            <a:endParaRPr lang="en-GB"/>
+          </a:p>
+        </p:txBody>
+      </p:sp>
+      <p:sp>
+        <p:nvSpPr>
+          <p:cNvPr id="3" name="Content Placeholder 2">
+            <a:extLst>
+              <a:ext uri="{FF2B5EF4-FFF2-40B4-BE49-F238E27FC236}">
+                <a16:creationId xmlns:a16="http://schemas.microsoft.com/office/drawing/2014/main" id="{DA562BAA-B7D5-4378-9FBB-5A1C7BBFE11D}"/>
+              </a:ext>
+            </a:extLst>
+          </p:cNvPr>
+          <p:cNvSpPr>
+            <a:spLocks noGrp="1"/>
+          </p:cNvSpPr>
+          <p:nvPr>
+            <p:ph idx="1"/>
+          </p:nvPr>
+        </p:nvSpPr>
+        <p:spPr/>
+        <p:txBody>
+          <a:bodyPr/>
+          <a:lstStyle/>
+          <a:p>
+            <a:endParaRPr lang="en-GB"/>
+          </a:p>
+        </p:txBody>
+      </p:sp>
+    </p:spTree>
+    <p:extLst>
+      <p:ext uri="{BB962C8B-B14F-4D97-AF65-F5344CB8AC3E}">
+        <p14:creationId xmlns:p14="http://schemas.microsoft.com/office/powerpoint/2010/main" val="164538150"/>
+      </p:ext>
+    </p:extLst>
+  </p:cSld>
+  <p:clrMapOvr>
+    <a:masterClrMapping/>
+  </p:clrMapOvr>
+</p:sld>
+</file>
+
+<file path=ppt/slides/slide5.xml><?xml version="1.0" encoding="utf-8"?>
+<p:sld xmlns:a="http://schemas.openxmlformats.org/drawingml/2006/main" xmlns:r="http://schemas.openxmlformats.org/officeDocument/2006/relationships" xmlns:p="http://schemas.openxmlformats.org/presentationml/2006/main">
+  <p:cSld>
+    <p:spTree>
+      <p:nvGrpSpPr>
+        <p:cNvPr id="1" name=""/>
+        <p:cNvGrpSpPr/>
+        <p:nvPr/>
+      </p:nvGrpSpPr>
+      <p:grpSpPr>
+        <a:xfrm>
+          <a:off x="0" y="0"/>
+          <a:ext cx="0" cy="0"/>
+          <a:chOff x="0" y="0"/>
+          <a:chExt cx="0" cy="0"/>
+        </a:xfrm>
+      </p:grpSpPr>
+      <p:sp>
+        <p:nvSpPr>
+          <p:cNvPr id="2" name="Title 1">
+            <a:extLst>
+              <a:ext uri="{FF2B5EF4-FFF2-40B4-BE49-F238E27FC236}">
                 <a16:creationId xmlns:a16="http://schemas.microsoft.com/office/drawing/2014/main" id="{946E929F-2EA8-4ABB-A747-61C2B646CC1B}"/>
               </a:ext>
             </a:extLst>
@@ -5622,7 +5725,10 @@
           <a:bodyPr/>
           <a:lstStyle/>
           <a:p>
-            <a:endParaRPr lang="en-GB"/>
+            <a:r>
+              <a:rPr lang="en-GB" dirty="0"/>
+              <a:t>Our Design</a:t>
+            </a:r>
           </a:p>
         </p:txBody>
       </p:sp>

--- a/CLIC_SARGENT.pptx
+++ b/CLIC_SARGENT.pptx
@@ -4,6 +4,9 @@
   <p:sldMasterIdLst>
     <p:sldMasterId id="2147483648" r:id="rId1"/>
   </p:sldMasterIdLst>
+  <p:notesMasterIdLst>
+    <p:notesMasterId r:id="rId7"/>
+  </p:notesMasterIdLst>
   <p:sldIdLst>
     <p:sldId id="256" r:id="rId2"/>
     <p:sldId id="260" r:id="rId3"/>
@@ -118,6 +121,443 @@
 
 <file path=ppt/revisionInfo.xml><?xml version="1.0" encoding="utf-8"?>
 <p1510:revInfo xmlns:a="http://schemas.openxmlformats.org/drawingml/2006/main" xmlns:r="http://schemas.openxmlformats.org/officeDocument/2006/relationships" xmlns:p1510="http://schemas.microsoft.com/office/powerpoint/2015/10/main"/>
+</file>
+
+<file path=ppt/notesMasters/notesMaster1.xml><?xml version="1.0" encoding="utf-8"?>
+<p:notesMaster xmlns:a="http://schemas.openxmlformats.org/drawingml/2006/main" xmlns:r="http://schemas.openxmlformats.org/officeDocument/2006/relationships" xmlns:p="http://schemas.openxmlformats.org/presentationml/2006/main">
+  <p:cSld>
+    <p:bg>
+      <p:bgRef idx="1001">
+        <a:schemeClr val="bg1"/>
+      </p:bgRef>
+    </p:bg>
+    <p:spTree>
+      <p:nvGrpSpPr>
+        <p:cNvPr id="1" name=""/>
+        <p:cNvGrpSpPr/>
+        <p:nvPr/>
+      </p:nvGrpSpPr>
+      <p:grpSpPr>
+        <a:xfrm>
+          <a:off x="0" y="0"/>
+          <a:ext cx="0" cy="0"/>
+          <a:chOff x="0" y="0"/>
+          <a:chExt cx="0" cy="0"/>
+        </a:xfrm>
+      </p:grpSpPr>
+      <p:sp>
+        <p:nvSpPr>
+          <p:cNvPr id="2" name="Header Placeholder 1"/>
+          <p:cNvSpPr>
+            <a:spLocks noGrp="1"/>
+          </p:cNvSpPr>
+          <p:nvPr>
+            <p:ph type="hdr" sz="quarter"/>
+          </p:nvPr>
+        </p:nvSpPr>
+        <p:spPr>
+          <a:xfrm>
+            <a:off x="0" y="0"/>
+            <a:ext cx="2971800" cy="458788"/>
+          </a:xfrm>
+          <a:prstGeom prst="rect">
+            <a:avLst/>
+          </a:prstGeom>
+        </p:spPr>
+        <p:txBody>
+          <a:bodyPr vert="horz" lIns="91440" tIns="45720" rIns="91440" bIns="45720" rtlCol="0"/>
+          <a:lstStyle>
+            <a:lvl1pPr algn="l">
+              <a:defRPr sz="1200"/>
+            </a:lvl1pPr>
+          </a:lstStyle>
+          <a:p>
+            <a:endParaRPr lang="en-GB"/>
+          </a:p>
+        </p:txBody>
+      </p:sp>
+      <p:sp>
+        <p:nvSpPr>
+          <p:cNvPr id="3" name="Date Placeholder 2"/>
+          <p:cNvSpPr>
+            <a:spLocks noGrp="1"/>
+          </p:cNvSpPr>
+          <p:nvPr>
+            <p:ph type="dt" idx="1"/>
+          </p:nvPr>
+        </p:nvSpPr>
+        <p:spPr>
+          <a:xfrm>
+            <a:off x="3884613" y="0"/>
+            <a:ext cx="2971800" cy="458788"/>
+          </a:xfrm>
+          <a:prstGeom prst="rect">
+            <a:avLst/>
+          </a:prstGeom>
+        </p:spPr>
+        <p:txBody>
+          <a:bodyPr vert="horz" lIns="91440" tIns="45720" rIns="91440" bIns="45720" rtlCol="0"/>
+          <a:lstStyle>
+            <a:lvl1pPr algn="r">
+              <a:defRPr sz="1200"/>
+            </a:lvl1pPr>
+          </a:lstStyle>
+          <a:p>
+            <a:fld id="{DA863DD5-2B23-495C-ADAB-D791EF97AF3A}" type="datetimeFigureOut">
+              <a:rPr lang="en-GB" smtClean="0"/>
+              <a:t>18/11/2017</a:t>
+            </a:fld>
+            <a:endParaRPr lang="en-GB"/>
+          </a:p>
+        </p:txBody>
+      </p:sp>
+      <p:sp>
+        <p:nvSpPr>
+          <p:cNvPr id="4" name="Slide Image Placeholder 3"/>
+          <p:cNvSpPr>
+            <a:spLocks noGrp="1" noRot="1" noChangeAspect="1"/>
+          </p:cNvSpPr>
+          <p:nvPr>
+            <p:ph type="sldImg" idx="2"/>
+          </p:nvPr>
+        </p:nvSpPr>
+        <p:spPr>
+          <a:xfrm>
+            <a:off x="685800" y="1143000"/>
+            <a:ext cx="5486400" cy="3086100"/>
+          </a:xfrm>
+          <a:prstGeom prst="rect">
+            <a:avLst/>
+          </a:prstGeom>
+          <a:noFill/>
+          <a:ln w="12700">
+            <a:solidFill>
+              <a:prstClr val="black"/>
+            </a:solidFill>
+          </a:ln>
+        </p:spPr>
+        <p:txBody>
+          <a:bodyPr vert="horz" lIns="91440" tIns="45720" rIns="91440" bIns="45720" rtlCol="0" anchor="ctr"/>
+          <a:lstStyle/>
+          <a:p>
+            <a:endParaRPr lang="en-GB"/>
+          </a:p>
+        </p:txBody>
+      </p:sp>
+      <p:sp>
+        <p:nvSpPr>
+          <p:cNvPr id="5" name="Notes Placeholder 4"/>
+          <p:cNvSpPr>
+            <a:spLocks noGrp="1"/>
+          </p:cNvSpPr>
+          <p:nvPr>
+            <p:ph type="body" sz="quarter" idx="3"/>
+          </p:nvPr>
+        </p:nvSpPr>
+        <p:spPr>
+          <a:xfrm>
+            <a:off x="685800" y="4400550"/>
+            <a:ext cx="5486400" cy="3600450"/>
+          </a:xfrm>
+          <a:prstGeom prst="rect">
+            <a:avLst/>
+          </a:prstGeom>
+        </p:spPr>
+        <p:txBody>
+          <a:bodyPr vert="horz" lIns="91440" tIns="45720" rIns="91440" bIns="45720" rtlCol="0"/>
+          <a:lstStyle/>
+          <a:p>
+            <a:pPr lvl="0"/>
+            <a:r>
+              <a:rPr lang="en-US"/>
+              <a:t>Edit Master text styles</a:t>
+            </a:r>
+          </a:p>
+          <a:p>
+            <a:pPr lvl="1"/>
+            <a:r>
+              <a:rPr lang="en-US"/>
+              <a:t>Second level</a:t>
+            </a:r>
+          </a:p>
+          <a:p>
+            <a:pPr lvl="2"/>
+            <a:r>
+              <a:rPr lang="en-US"/>
+              <a:t>Third level</a:t>
+            </a:r>
+          </a:p>
+          <a:p>
+            <a:pPr lvl="3"/>
+            <a:r>
+              <a:rPr lang="en-US"/>
+              <a:t>Fourth level</a:t>
+            </a:r>
+          </a:p>
+          <a:p>
+            <a:pPr lvl="4"/>
+            <a:r>
+              <a:rPr lang="en-US"/>
+              <a:t>Fifth level</a:t>
+            </a:r>
+            <a:endParaRPr lang="en-GB"/>
+          </a:p>
+        </p:txBody>
+      </p:sp>
+      <p:sp>
+        <p:nvSpPr>
+          <p:cNvPr id="6" name="Footer Placeholder 5"/>
+          <p:cNvSpPr>
+            <a:spLocks noGrp="1"/>
+          </p:cNvSpPr>
+          <p:nvPr>
+            <p:ph type="ftr" sz="quarter" idx="4"/>
+          </p:nvPr>
+        </p:nvSpPr>
+        <p:spPr>
+          <a:xfrm>
+            <a:off x="0" y="8685213"/>
+            <a:ext cx="2971800" cy="458787"/>
+          </a:xfrm>
+          <a:prstGeom prst="rect">
+            <a:avLst/>
+          </a:prstGeom>
+        </p:spPr>
+        <p:txBody>
+          <a:bodyPr vert="horz" lIns="91440" tIns="45720" rIns="91440" bIns="45720" rtlCol="0" anchor="b"/>
+          <a:lstStyle>
+            <a:lvl1pPr algn="l">
+              <a:defRPr sz="1200"/>
+            </a:lvl1pPr>
+          </a:lstStyle>
+          <a:p>
+            <a:endParaRPr lang="en-GB"/>
+          </a:p>
+        </p:txBody>
+      </p:sp>
+      <p:sp>
+        <p:nvSpPr>
+          <p:cNvPr id="7" name="Slide Number Placeholder 6"/>
+          <p:cNvSpPr>
+            <a:spLocks noGrp="1"/>
+          </p:cNvSpPr>
+          <p:nvPr>
+            <p:ph type="sldNum" sz="quarter" idx="5"/>
+          </p:nvPr>
+        </p:nvSpPr>
+        <p:spPr>
+          <a:xfrm>
+            <a:off x="3884613" y="8685213"/>
+            <a:ext cx="2971800" cy="458787"/>
+          </a:xfrm>
+          <a:prstGeom prst="rect">
+            <a:avLst/>
+          </a:prstGeom>
+        </p:spPr>
+        <p:txBody>
+          <a:bodyPr vert="horz" lIns="91440" tIns="45720" rIns="91440" bIns="45720" rtlCol="0" anchor="b"/>
+          <a:lstStyle>
+            <a:lvl1pPr algn="r">
+              <a:defRPr sz="1200"/>
+            </a:lvl1pPr>
+          </a:lstStyle>
+          <a:p>
+            <a:fld id="{B29B852B-4F02-4C7C-87A4-F1EDE6054FFE}" type="slidenum">
+              <a:rPr lang="en-GB" smtClean="0"/>
+              <a:t>‹#›</a:t>
+            </a:fld>
+            <a:endParaRPr lang="en-GB"/>
+          </a:p>
+        </p:txBody>
+      </p:sp>
+    </p:spTree>
+    <p:extLst>
+      <p:ext uri="{BB962C8B-B14F-4D97-AF65-F5344CB8AC3E}">
+        <p14:creationId xmlns:p14="http://schemas.microsoft.com/office/powerpoint/2010/main" val="3970830569"/>
+      </p:ext>
+    </p:extLst>
+  </p:cSld>
+  <p:clrMap bg1="lt1" tx1="dk1" bg2="lt2" tx2="dk2" accent1="accent1" accent2="accent2" accent3="accent3" accent4="accent4" accent5="accent5" accent6="accent6" hlink="hlink" folHlink="folHlink"/>
+  <p:notesStyle>
+    <a:lvl1pPr marL="0" algn="l" defTabSz="914400" rtl="0" eaLnBrk="1" latinLnBrk="0" hangingPunct="1">
+      <a:defRPr sz="1200" kern="1200">
+        <a:solidFill>
+          <a:schemeClr val="tx1"/>
+        </a:solidFill>
+        <a:latin typeface="+mn-lt"/>
+        <a:ea typeface="+mn-ea"/>
+        <a:cs typeface="+mn-cs"/>
+      </a:defRPr>
+    </a:lvl1pPr>
+    <a:lvl2pPr marL="457200" algn="l" defTabSz="914400" rtl="0" eaLnBrk="1" latinLnBrk="0" hangingPunct="1">
+      <a:defRPr sz="1200" kern="1200">
+        <a:solidFill>
+          <a:schemeClr val="tx1"/>
+        </a:solidFill>
+        <a:latin typeface="+mn-lt"/>
+        <a:ea typeface="+mn-ea"/>
+        <a:cs typeface="+mn-cs"/>
+      </a:defRPr>
+    </a:lvl2pPr>
+    <a:lvl3pPr marL="914400" algn="l" defTabSz="914400" rtl="0" eaLnBrk="1" latinLnBrk="0" hangingPunct="1">
+      <a:defRPr sz="1200" kern="1200">
+        <a:solidFill>
+          <a:schemeClr val="tx1"/>
+        </a:solidFill>
+        <a:latin typeface="+mn-lt"/>
+        <a:ea typeface="+mn-ea"/>
+        <a:cs typeface="+mn-cs"/>
+      </a:defRPr>
+    </a:lvl3pPr>
+    <a:lvl4pPr marL="1371600" algn="l" defTabSz="914400" rtl="0" eaLnBrk="1" latinLnBrk="0" hangingPunct="1">
+      <a:defRPr sz="1200" kern="1200">
+        <a:solidFill>
+          <a:schemeClr val="tx1"/>
+        </a:solidFill>
+        <a:latin typeface="+mn-lt"/>
+        <a:ea typeface="+mn-ea"/>
+        <a:cs typeface="+mn-cs"/>
+      </a:defRPr>
+    </a:lvl4pPr>
+    <a:lvl5pPr marL="1828800" algn="l" defTabSz="914400" rtl="0" eaLnBrk="1" latinLnBrk="0" hangingPunct="1">
+      <a:defRPr sz="1200" kern="1200">
+        <a:solidFill>
+          <a:schemeClr val="tx1"/>
+        </a:solidFill>
+        <a:latin typeface="+mn-lt"/>
+        <a:ea typeface="+mn-ea"/>
+        <a:cs typeface="+mn-cs"/>
+      </a:defRPr>
+    </a:lvl5pPr>
+    <a:lvl6pPr marL="2286000" algn="l" defTabSz="914400" rtl="0" eaLnBrk="1" latinLnBrk="0" hangingPunct="1">
+      <a:defRPr sz="1200" kern="1200">
+        <a:solidFill>
+          <a:schemeClr val="tx1"/>
+        </a:solidFill>
+        <a:latin typeface="+mn-lt"/>
+        <a:ea typeface="+mn-ea"/>
+        <a:cs typeface="+mn-cs"/>
+      </a:defRPr>
+    </a:lvl6pPr>
+    <a:lvl7pPr marL="2743200" algn="l" defTabSz="914400" rtl="0" eaLnBrk="1" latinLnBrk="0" hangingPunct="1">
+      <a:defRPr sz="1200" kern="1200">
+        <a:solidFill>
+          <a:schemeClr val="tx1"/>
+        </a:solidFill>
+        <a:latin typeface="+mn-lt"/>
+        <a:ea typeface="+mn-ea"/>
+        <a:cs typeface="+mn-cs"/>
+      </a:defRPr>
+    </a:lvl7pPr>
+    <a:lvl8pPr marL="3200400" algn="l" defTabSz="914400" rtl="0" eaLnBrk="1" latinLnBrk="0" hangingPunct="1">
+      <a:defRPr sz="1200" kern="1200">
+        <a:solidFill>
+          <a:schemeClr val="tx1"/>
+        </a:solidFill>
+        <a:latin typeface="+mn-lt"/>
+        <a:ea typeface="+mn-ea"/>
+        <a:cs typeface="+mn-cs"/>
+      </a:defRPr>
+    </a:lvl8pPr>
+    <a:lvl9pPr marL="3657600" algn="l" defTabSz="914400" rtl="0" eaLnBrk="1" latinLnBrk="0" hangingPunct="1">
+      <a:defRPr sz="1200" kern="1200">
+        <a:solidFill>
+          <a:schemeClr val="tx1"/>
+        </a:solidFill>
+        <a:latin typeface="+mn-lt"/>
+        <a:ea typeface="+mn-ea"/>
+        <a:cs typeface="+mn-cs"/>
+      </a:defRPr>
+    </a:lvl9pPr>
+  </p:notesStyle>
+</p:notesMaster>
+</file>
+
+<file path=ppt/notesSlides/notesSlide1.xml><?xml version="1.0" encoding="utf-8"?>
+<p:notes xmlns:a="http://schemas.openxmlformats.org/drawingml/2006/main" xmlns:r="http://schemas.openxmlformats.org/officeDocument/2006/relationships" xmlns:p="http://schemas.openxmlformats.org/presentationml/2006/main">
+  <p:cSld>
+    <p:spTree>
+      <p:nvGrpSpPr>
+        <p:cNvPr id="1" name=""/>
+        <p:cNvGrpSpPr/>
+        <p:nvPr/>
+      </p:nvGrpSpPr>
+      <p:grpSpPr>
+        <a:xfrm>
+          <a:off x="0" y="0"/>
+          <a:ext cx="0" cy="0"/>
+          <a:chOff x="0" y="0"/>
+          <a:chExt cx="0" cy="0"/>
+        </a:xfrm>
+      </p:grpSpPr>
+      <p:sp>
+        <p:nvSpPr>
+          <p:cNvPr id="2" name="Slide Image Placeholder 1"/>
+          <p:cNvSpPr>
+            <a:spLocks noGrp="1" noRot="1" noChangeAspect="1"/>
+          </p:cNvSpPr>
+          <p:nvPr>
+            <p:ph type="sldImg"/>
+          </p:nvPr>
+        </p:nvSpPr>
+        <p:spPr/>
+      </p:sp>
+      <p:sp>
+        <p:nvSpPr>
+          <p:cNvPr id="3" name="Notes Placeholder 2"/>
+          <p:cNvSpPr>
+            <a:spLocks noGrp="1"/>
+          </p:cNvSpPr>
+          <p:nvPr>
+            <p:ph type="body" idx="1"/>
+          </p:nvPr>
+        </p:nvSpPr>
+        <p:spPr/>
+        <p:txBody>
+          <a:bodyPr/>
+          <a:lstStyle/>
+          <a:p>
+            <a:r>
+              <a:rPr lang="en-GB" dirty="0"/>
+              <a:t>-The aim of our proposed solution was to target young teens between the ages of 13 and 18 years of age</a:t>
+            </a:r>
+          </a:p>
+        </p:txBody>
+      </p:sp>
+      <p:sp>
+        <p:nvSpPr>
+          <p:cNvPr id="4" name="Slide Number Placeholder 3"/>
+          <p:cNvSpPr>
+            <a:spLocks noGrp="1"/>
+          </p:cNvSpPr>
+          <p:nvPr>
+            <p:ph type="sldNum" sz="quarter" idx="10"/>
+          </p:nvPr>
+        </p:nvSpPr>
+        <p:spPr/>
+        <p:txBody>
+          <a:bodyPr/>
+          <a:lstStyle/>
+          <a:p>
+            <a:fld id="{B29B852B-4F02-4C7C-87A4-F1EDE6054FFE}" type="slidenum">
+              <a:rPr lang="en-GB" smtClean="0"/>
+              <a:t>3</a:t>
+            </a:fld>
+            <a:endParaRPr lang="en-GB"/>
+          </a:p>
+        </p:txBody>
+      </p:sp>
+    </p:spTree>
+    <p:extLst>
+      <p:ext uri="{BB962C8B-B14F-4D97-AF65-F5344CB8AC3E}">
+        <p14:creationId xmlns:p14="http://schemas.microsoft.com/office/powerpoint/2010/main" val="549107930"/>
+      </p:ext>
+    </p:extLst>
+  </p:cSld>
+  <p:clrMapOvr>
+    <a:masterClrMapping/>
+  </p:clrMapOvr>
+</p:notes>
 </file>
 
 <file path=ppt/slideLayouts/slideLayout1.xml><?xml version="1.0" encoding="utf-8"?>
@@ -5551,7 +5991,7 @@
           <a:p>
             <a:r>
               <a:rPr lang="en-GB" dirty="0"/>
-              <a:t>Aims of proposed solution</a:t>
+              <a:t>Aims of our proposed solution</a:t>
             </a:r>
           </a:p>
         </p:txBody>
@@ -5579,18 +6019,19 @@
           <a:p>
             <a:r>
               <a:rPr lang="en-GB" dirty="0"/>
-              <a:t>With our solution we aim to target a demographic of young teens between the ages of 13 and 18</a:t>
+              <a:t>Our aim was to target a demographic of young teens</a:t>
             </a:r>
           </a:p>
           <a:p>
             <a:r>
               <a:rPr lang="en-GB" dirty="0"/>
-              <a:t>Having spoken to Michael Wilkinson later, we found out more about this </a:t>
+              <a:t>We had a chance to speak to Michael Wilkinson later, and found out among other things that this demographic often faces great difficulty in maintain their </a:t>
             </a:r>
             <a:r>
               <a:rPr lang="en-GB"/>
-              <a:t>demograpgic</a:t>
-            </a:r>
+              <a:t>friendship groups </a:t>
+            </a:r>
+            <a:endParaRPr lang="en-GB" dirty="0"/>
           </a:p>
         </p:txBody>
       </p:sp>
@@ -6030,4 +6471,299 @@
     </a:ext>
   </a:extLst>
 </a:theme>
+</file>
+
+<file path=ppt/theme/theme2.xml><?xml version="1.0" encoding="utf-8"?>
+<a:theme xmlns:a="http://schemas.openxmlformats.org/drawingml/2006/main" name="Office Theme">
+  <a:themeElements>
+    <a:clrScheme name="Office">
+      <a:dk1>
+        <a:sysClr val="windowText" lastClr="000000"/>
+      </a:dk1>
+      <a:lt1>
+        <a:sysClr val="window" lastClr="FFFFFF"/>
+      </a:lt1>
+      <a:dk2>
+        <a:srgbClr val="44546A"/>
+      </a:dk2>
+      <a:lt2>
+        <a:srgbClr val="E7E6E6"/>
+      </a:lt2>
+      <a:accent1>
+        <a:srgbClr val="4472C4"/>
+      </a:accent1>
+      <a:accent2>
+        <a:srgbClr val="ED7D31"/>
+      </a:accent2>
+      <a:accent3>
+        <a:srgbClr val="A5A5A5"/>
+      </a:accent3>
+      <a:accent4>
+        <a:srgbClr val="FFC000"/>
+      </a:accent4>
+      <a:accent5>
+        <a:srgbClr val="5B9BD5"/>
+      </a:accent5>
+      <a:accent6>
+        <a:srgbClr val="70AD47"/>
+      </a:accent6>
+      <a:hlink>
+        <a:srgbClr val="0563C1"/>
+      </a:hlink>
+      <a:folHlink>
+        <a:srgbClr val="954F72"/>
+      </a:folHlink>
+    </a:clrScheme>
+    <a:fontScheme name="Office">
+      <a:majorFont>
+        <a:latin typeface="Calibri Light" panose="020F0302020204030204"/>
+        <a:ea typeface=""/>
+        <a:cs typeface=""/>
+        <a:font script="Jpan" typeface="游ゴシック Light"/>
+        <a:font script="Hang" typeface="맑은 고딕"/>
+        <a:font script="Hans" typeface="等线 Light"/>
+        <a:font script="Hant" typeface="新細明體"/>
+        <a:font script="Arab" typeface="Times New Roman"/>
+        <a:font script="Hebr" typeface="Times New Roman"/>
+        <a:font script="Thai" typeface="Angsana New"/>
+        <a:font script="Ethi" typeface="Nyala"/>
+        <a:font script="Beng" typeface="Vrinda"/>
+        <a:font script="Gujr" typeface="Shruti"/>
+        <a:font script="Khmr" typeface="MoolBoran"/>
+        <a:font script="Knda" typeface="Tunga"/>
+        <a:font script="Guru" typeface="Raavi"/>
+        <a:font script="Cans" typeface="Euphemia"/>
+        <a:font script="Cher" typeface="Plantagenet Cherokee"/>
+        <a:font script="Yiii" typeface="Microsoft Yi Baiti"/>
+        <a:font script="Tibt" typeface="Microsoft Himalaya"/>
+        <a:font script="Thaa" typeface="MV Boli"/>
+        <a:font script="Deva" typeface="Mangal"/>
+        <a:font script="Telu" typeface="Gautami"/>
+        <a:font script="Taml" typeface="Latha"/>
+        <a:font script="Syrc" typeface="Estrangelo Edessa"/>
+        <a:font script="Orya" typeface="Kalinga"/>
+        <a:font script="Mlym" typeface="Kartika"/>
+        <a:font script="Laoo" typeface="DokChampa"/>
+        <a:font script="Sinh" typeface="Iskoola Pota"/>
+        <a:font script="Mong" typeface="Mongolian Baiti"/>
+        <a:font script="Viet" typeface="Times New Roman"/>
+        <a:font script="Uigh" typeface="Microsoft Uighur"/>
+        <a:font script="Geor" typeface="Sylfaen"/>
+        <a:font script="Armn" typeface="Arial"/>
+        <a:font script="Bugi" typeface="Leelawadee UI"/>
+        <a:font script="Bopo" typeface="Microsoft JhengHei"/>
+        <a:font script="Java" typeface="Javanese Text"/>
+        <a:font script="Lisu" typeface="Segoe UI"/>
+        <a:font script="Mymr" typeface="Myanmar Text"/>
+        <a:font script="Nkoo" typeface="Ebrima"/>
+        <a:font script="Olck" typeface="Nirmala UI"/>
+        <a:font script="Osma" typeface="Ebrima"/>
+        <a:font script="Phag" typeface="Phagspa"/>
+        <a:font script="Syrn" typeface="Estrangelo Edessa"/>
+        <a:font script="Syrj" typeface="Estrangelo Edessa"/>
+        <a:font script="Syre" typeface="Estrangelo Edessa"/>
+        <a:font script="Sora" typeface="Nirmala UI"/>
+        <a:font script="Tale" typeface="Microsoft Tai Le"/>
+        <a:font script="Talu" typeface="Microsoft New Tai Lue"/>
+        <a:font script="Tfng" typeface="Ebrima"/>
+      </a:majorFont>
+      <a:minorFont>
+        <a:latin typeface="Calibri" panose="020F0502020204030204"/>
+        <a:ea typeface=""/>
+        <a:cs typeface=""/>
+        <a:font script="Jpan" typeface="游ゴシック"/>
+        <a:font script="Hang" typeface="맑은 고딕"/>
+        <a:font script="Hans" typeface="等线"/>
+        <a:font script="Hant" typeface="新細明體"/>
+        <a:font script="Arab" typeface="Arial"/>
+        <a:font script="Hebr" typeface="Arial"/>
+        <a:font script="Thai" typeface="Cordia New"/>
+        <a:font script="Ethi" typeface="Nyala"/>
+        <a:font script="Beng" typeface="Vrinda"/>
+        <a:font script="Gujr" typeface="Shruti"/>
+        <a:font script="Khmr" typeface="DaunPenh"/>
+        <a:font script="Knda" typeface="Tunga"/>
+        <a:font script="Guru" typeface="Raavi"/>
+        <a:font script="Cans" typeface="Euphemia"/>
+        <a:font script="Cher" typeface="Plantagenet Cherokee"/>
+        <a:font script="Yiii" typeface="Microsoft Yi Baiti"/>
+        <a:font script="Tibt" typeface="Microsoft Himalaya"/>
+        <a:font script="Thaa" typeface="MV Boli"/>
+        <a:font script="Deva" typeface="Mangal"/>
+        <a:font script="Telu" typeface="Gautami"/>
+        <a:font script="Taml" typeface="Latha"/>
+        <a:font script="Syrc" typeface="Estrangelo Edessa"/>
+        <a:font script="Orya" typeface="Kalinga"/>
+        <a:font script="Mlym" typeface="Kartika"/>
+        <a:font script="Laoo" typeface="DokChampa"/>
+        <a:font script="Sinh" typeface="Iskoola Pota"/>
+        <a:font script="Mong" typeface="Mongolian Baiti"/>
+        <a:font script="Viet" typeface="Arial"/>
+        <a:font script="Uigh" typeface="Microsoft Uighur"/>
+        <a:font script="Geor" typeface="Sylfaen"/>
+        <a:font script="Armn" typeface="Arial"/>
+        <a:font script="Bugi" typeface="Leelawadee UI"/>
+        <a:font script="Bopo" typeface="Microsoft JhengHei"/>
+        <a:font script="Java" typeface="Javanese Text"/>
+        <a:font script="Lisu" typeface="Segoe UI"/>
+        <a:font script="Mymr" typeface="Myanmar Text"/>
+        <a:font script="Nkoo" typeface="Ebrima"/>
+        <a:font script="Olck" typeface="Nirmala UI"/>
+        <a:font script="Osma" typeface="Ebrima"/>
+        <a:font script="Phag" typeface="Phagspa"/>
+        <a:font script="Syrn" typeface="Estrangelo Edessa"/>
+        <a:font script="Syrj" typeface="Estrangelo Edessa"/>
+        <a:font script="Syre" typeface="Estrangelo Edessa"/>
+        <a:font script="Sora" typeface="Nirmala UI"/>
+        <a:font script="Tale" typeface="Microsoft Tai Le"/>
+        <a:font script="Talu" typeface="Microsoft New Tai Lue"/>
+        <a:font script="Tfng" typeface="Ebrima"/>
+      </a:minorFont>
+    </a:fontScheme>
+    <a:fmtScheme name="Office">
+      <a:fillStyleLst>
+        <a:solidFill>
+          <a:schemeClr val="phClr"/>
+        </a:solidFill>
+        <a:gradFill rotWithShape="1">
+          <a:gsLst>
+            <a:gs pos="0">
+              <a:schemeClr val="phClr">
+                <a:lumMod val="110000"/>
+                <a:satMod val="105000"/>
+                <a:tint val="67000"/>
+              </a:schemeClr>
+            </a:gs>
+            <a:gs pos="50000">
+              <a:schemeClr val="phClr">
+                <a:lumMod val="105000"/>
+                <a:satMod val="103000"/>
+                <a:tint val="73000"/>
+              </a:schemeClr>
+            </a:gs>
+            <a:gs pos="100000">
+              <a:schemeClr val="phClr">
+                <a:lumMod val="105000"/>
+                <a:satMod val="109000"/>
+                <a:tint val="81000"/>
+              </a:schemeClr>
+            </a:gs>
+          </a:gsLst>
+          <a:lin ang="5400000" scaled="0"/>
+        </a:gradFill>
+        <a:gradFill rotWithShape="1">
+          <a:gsLst>
+            <a:gs pos="0">
+              <a:schemeClr val="phClr">
+                <a:satMod val="103000"/>
+                <a:lumMod val="102000"/>
+                <a:tint val="94000"/>
+              </a:schemeClr>
+            </a:gs>
+            <a:gs pos="50000">
+              <a:schemeClr val="phClr">
+                <a:satMod val="110000"/>
+                <a:lumMod val="100000"/>
+                <a:shade val="100000"/>
+              </a:schemeClr>
+            </a:gs>
+            <a:gs pos="100000">
+              <a:schemeClr val="phClr">
+                <a:lumMod val="99000"/>
+                <a:satMod val="120000"/>
+                <a:shade val="78000"/>
+              </a:schemeClr>
+            </a:gs>
+          </a:gsLst>
+          <a:lin ang="5400000" scaled="0"/>
+        </a:gradFill>
+      </a:fillStyleLst>
+      <a:lnStyleLst>
+        <a:ln w="6350" cap="flat" cmpd="sng" algn="ctr">
+          <a:solidFill>
+            <a:schemeClr val="phClr"/>
+          </a:solidFill>
+          <a:prstDash val="solid"/>
+          <a:miter lim="800000"/>
+        </a:ln>
+        <a:ln w="12700" cap="flat" cmpd="sng" algn="ctr">
+          <a:solidFill>
+            <a:schemeClr val="phClr"/>
+          </a:solidFill>
+          <a:prstDash val="solid"/>
+          <a:miter lim="800000"/>
+        </a:ln>
+        <a:ln w="19050" cap="flat" cmpd="sng" algn="ctr">
+          <a:solidFill>
+            <a:schemeClr val="phClr"/>
+          </a:solidFill>
+          <a:prstDash val="solid"/>
+          <a:miter lim="800000"/>
+        </a:ln>
+      </a:lnStyleLst>
+      <a:effectStyleLst>
+        <a:effectStyle>
+          <a:effectLst/>
+        </a:effectStyle>
+        <a:effectStyle>
+          <a:effectLst/>
+        </a:effectStyle>
+        <a:effectStyle>
+          <a:effectLst>
+            <a:outerShdw blurRad="57150" dist="19050" dir="5400000" algn="ctr" rotWithShape="0">
+              <a:srgbClr val="000000">
+                <a:alpha val="63000"/>
+              </a:srgbClr>
+            </a:outerShdw>
+          </a:effectLst>
+        </a:effectStyle>
+      </a:effectStyleLst>
+      <a:bgFillStyleLst>
+        <a:solidFill>
+          <a:schemeClr val="phClr"/>
+        </a:solidFill>
+        <a:solidFill>
+          <a:schemeClr val="phClr">
+            <a:tint val="95000"/>
+            <a:satMod val="170000"/>
+          </a:schemeClr>
+        </a:solidFill>
+        <a:gradFill rotWithShape="1">
+          <a:gsLst>
+            <a:gs pos="0">
+              <a:schemeClr val="phClr">
+                <a:tint val="93000"/>
+                <a:satMod val="150000"/>
+                <a:shade val="98000"/>
+                <a:lumMod val="102000"/>
+              </a:schemeClr>
+            </a:gs>
+            <a:gs pos="50000">
+              <a:schemeClr val="phClr">
+                <a:tint val="98000"/>
+                <a:satMod val="130000"/>
+                <a:shade val="90000"/>
+                <a:lumMod val="103000"/>
+              </a:schemeClr>
+            </a:gs>
+            <a:gs pos="100000">
+              <a:schemeClr val="phClr">
+                <a:shade val="63000"/>
+                <a:satMod val="120000"/>
+              </a:schemeClr>
+            </a:gs>
+          </a:gsLst>
+          <a:lin ang="5400000" scaled="0"/>
+        </a:gradFill>
+      </a:bgFillStyleLst>
+    </a:fmtScheme>
+  </a:themeElements>
+  <a:objectDefaults/>
+  <a:extraClrSchemeLst/>
+  <a:extLst>
+    <a:ext uri="{05A4C25C-085E-4340-85A3-A5531E510DB2}">
+      <thm15:themeFamily xmlns:thm15="http://schemas.microsoft.com/office/thememl/2012/main" name="Office Theme" id="{62F939B6-93AF-4DB8-9C6B-D6C7DFDC589F}" vid="{4A3C46E8-61CC-4603-A589-7422A47A8E4A}"/>
+    </a:ext>
+  </a:extLst>
+</a:theme>
 </file>
--- a/CLIC_SARGENT.pptx
+++ b/CLIC_SARGENT.pptx
@@ -521,6 +521,41 @@
               <a:rPr lang="en-GB" dirty="0"/>
               <a:t>-The aim of our proposed solution was to target young teens between the ages of 13 and 18 years of age</a:t>
             </a:r>
+          </a:p>
+          <a:p>
+            <a:endParaRPr lang="en-GB" dirty="0"/>
+          </a:p>
+          <a:p>
+            <a:pPr marL="0" marR="0" lvl="0" indent="0" algn="l" defTabSz="914400" rtl="0" eaLnBrk="1" fontAlgn="auto" latinLnBrk="0" hangingPunct="1">
+              <a:lnSpc>
+                <a:spcPct val="100000"/>
+              </a:lnSpc>
+              <a:spcBef>
+                <a:spcPts val="0"/>
+              </a:spcBef>
+              <a:spcAft>
+                <a:spcPts val="0"/>
+              </a:spcAft>
+              <a:buClrTx/>
+              <a:buSzTx/>
+              <a:buFontTx/>
+              <a:buNone/>
+              <a:tabLst/>
+              <a:defRPr/>
+            </a:pPr>
+            <a:r>
+              <a:rPr lang="en-GB"/>
+              <a:t>-Having </a:t>
+            </a:r>
+            <a:r>
+              <a:rPr lang="en-GB" dirty="0"/>
+              <a:t>spoken to Michael Wilkinson later, we found out that amongst other things that this demographic often faces great difficulty in maintaining friendships due </a:t>
+            </a:r>
+            <a:r>
+              <a:rPr lang="en-GB"/>
+              <a:t>to cancer</a:t>
+            </a:r>
+            <a:endParaRPr lang="en-GB" dirty="0"/>
           </a:p>
         </p:txBody>
       </p:sp>
@@ -6025,13 +6060,8 @@
           <a:p>
             <a:r>
               <a:rPr lang="en-GB" dirty="0"/>
-              <a:t>We had a chance to speak to Michael Wilkinson later, and found out among other things that this demographic often faces great difficulty in maintain their </a:t>
-            </a:r>
-            <a:r>
-              <a:rPr lang="en-GB"/>
-              <a:t>friendship groups </a:t>
-            </a:r>
-            <a:endParaRPr lang="en-GB" dirty="0"/>
+              <a:t>We had a chance to speak to Michael Wilkinson later, and found out among other things that this demographic often faces great difficulty in maintain their friendship groups </a:t>
+            </a:r>
           </a:p>
         </p:txBody>
       </p:sp>

--- a/CLIC_SARGENT.pptx
+++ b/CLIC_SARGENT.pptx
@@ -544,18 +544,9 @@
               <a:defRPr/>
             </a:pPr>
             <a:r>
-              <a:rPr lang="en-GB"/>
-              <a:t>-Having </a:t>
-            </a:r>
-            <a:r>
               <a:rPr lang="en-GB" dirty="0"/>
-              <a:t>spoken to Michael Wilkinson later, we found out that amongst other things that this demographic often faces great difficulty in maintaining friendships due </a:t>
-            </a:r>
-            <a:r>
-              <a:rPr lang="en-GB"/>
-              <a:t>to cancer</a:t>
-            </a:r>
-            <a:endParaRPr lang="en-GB" dirty="0"/>
+              <a:t>-had a chance to speak to Michael Wilkinson later, we found out that amongst other things that this demographic often faces great difficulty in maintaining friendships due to cancer</a:t>
+            </a:r>
           </a:p>
         </p:txBody>
       </p:sp>
@@ -5965,8 +5956,27 @@
           <a:p>
             <a:r>
               <a:rPr lang="en-GB" dirty="0"/>
-              <a:t>Based on the ideas presented by CLIC Sargent yesterday afternoon, we  set off initially by determining what we deemed to be an important aspect of the desired application and making that our focus</a:t>
-            </a:r>
+              <a:t>Based on the ideas presented by CLIC Sargent yesterday afternoon, we set off initially by determining what we deemed to be an important aspect of the desired application and making that our focus</a:t>
+            </a:r>
+          </a:p>
+          <a:p>
+            <a:r>
+              <a:rPr lang="en-GB" dirty="0"/>
+              <a:t>Our aim was to target our application at young teens</a:t>
+            </a:r>
+          </a:p>
+          <a:p>
+            <a:r>
+              <a:rPr lang="en-GB" dirty="0"/>
+              <a:t>Having spoken to Michael Wilkinson later, and found out among other things that this demographic often faces great difficulty in maintaining their friendship groups </a:t>
+            </a:r>
+          </a:p>
+          <a:p>
+            <a:r>
+              <a:rPr lang="en-GB"/>
+              <a:t>Too often they must form new friendship groups, and many make new friends through the CLIC Sargent organisation</a:t>
+            </a:r>
+            <a:endParaRPr lang="en-GB" dirty="0"/>
           </a:p>
           <a:p>
             <a:endParaRPr lang="en-GB" dirty="0"/>
@@ -6052,16 +6062,7 @@
           <a:bodyPr/>
           <a:lstStyle/>
           <a:p>
-            <a:r>
-              <a:rPr lang="en-GB" dirty="0"/>
-              <a:t>Our aim was to target a demographic of young teens</a:t>
-            </a:r>
-          </a:p>
-          <a:p>
-            <a:r>
-              <a:rPr lang="en-GB" dirty="0"/>
-              <a:t>We had a chance to speak to Michael Wilkinson later, and found out among other things that this demographic often faces great difficulty in maintain their friendship groups </a:t>
-            </a:r>
+            <a:endParaRPr lang="en-GB" dirty="0"/>
           </a:p>
         </p:txBody>
       </p:sp>

--- a/CLIC_SARGENT.pptx
+++ b/CLIC_SARGENT.pptx
@@ -474,6 +474,113 @@
 </file>
 
 <file path=ppt/notesSlides/notesSlide1.xml><?xml version="1.0" encoding="utf-8"?>
+<p:notes xmlns:a="http://schemas.openxmlformats.org/drawingml/2006/main" xmlns:r="http://schemas.openxmlformats.org/officeDocument/2006/relationships" xmlns:p="http://schemas.openxmlformats.org/presentationml/2006/main">
+  <p:cSld>
+    <p:spTree>
+      <p:nvGrpSpPr>
+        <p:cNvPr id="1" name=""/>
+        <p:cNvGrpSpPr/>
+        <p:nvPr/>
+      </p:nvGrpSpPr>
+      <p:grpSpPr>
+        <a:xfrm>
+          <a:off x="0" y="0"/>
+          <a:ext cx="0" cy="0"/>
+          <a:chOff x="0" y="0"/>
+          <a:chExt cx="0" cy="0"/>
+        </a:xfrm>
+      </p:grpSpPr>
+      <p:sp>
+        <p:nvSpPr>
+          <p:cNvPr id="2" name="Slide Image Placeholder 1"/>
+          <p:cNvSpPr>
+            <a:spLocks noGrp="1" noRot="1" noChangeAspect="1"/>
+          </p:cNvSpPr>
+          <p:nvPr>
+            <p:ph type="sldImg"/>
+          </p:nvPr>
+        </p:nvSpPr>
+        <p:spPr/>
+      </p:sp>
+      <p:sp>
+        <p:nvSpPr>
+          <p:cNvPr id="3" name="Notes Placeholder 2"/>
+          <p:cNvSpPr>
+            <a:spLocks noGrp="1"/>
+          </p:cNvSpPr>
+          <p:nvPr>
+            <p:ph type="body" idx="1"/>
+          </p:nvPr>
+        </p:nvSpPr>
+        <p:spPr/>
+        <p:txBody>
+          <a:bodyPr/>
+          <a:lstStyle/>
+          <a:p>
+            <a:pPr marL="0" marR="0" lvl="0" indent="0" algn="l" defTabSz="914400" rtl="0" eaLnBrk="1" fontAlgn="auto" latinLnBrk="0" hangingPunct="1">
+              <a:lnSpc>
+                <a:spcPct val="100000"/>
+              </a:lnSpc>
+              <a:spcBef>
+                <a:spcPts val="0"/>
+              </a:spcBef>
+              <a:spcAft>
+                <a:spcPts val="0"/>
+              </a:spcAft>
+              <a:buClrTx/>
+              <a:buSzTx/>
+              <a:buFontTx/>
+              <a:buNone/>
+              <a:tabLst/>
+              <a:defRPr/>
+            </a:pPr>
+            <a:r>
+              <a:rPr lang="en-GB" dirty="0"/>
+              <a:t>Based on the ideas presented by CLIC Sargent yesterday afternoon, we set off initially  determining what we deemed to be an important aspect of the desired application and making that our focus</a:t>
+            </a:r>
+          </a:p>
+          <a:p>
+            <a:endParaRPr lang="en-GB" dirty="0"/>
+          </a:p>
+        </p:txBody>
+      </p:sp>
+      <p:sp>
+        <p:nvSpPr>
+          <p:cNvPr id="4" name="Slide Number Placeholder 3"/>
+          <p:cNvSpPr>
+            <a:spLocks noGrp="1"/>
+          </p:cNvSpPr>
+          <p:nvPr>
+            <p:ph type="sldNum" sz="quarter" idx="10"/>
+          </p:nvPr>
+        </p:nvSpPr>
+        <p:spPr/>
+        <p:txBody>
+          <a:bodyPr/>
+          <a:lstStyle/>
+          <a:p>
+            <a:fld id="{B29B852B-4F02-4C7C-87A4-F1EDE6054FFE}" type="slidenum">
+              <a:rPr lang="en-GB" smtClean="0"/>
+              <a:t>2</a:t>
+            </a:fld>
+            <a:endParaRPr lang="en-GB"/>
+          </a:p>
+        </p:txBody>
+      </p:sp>
+    </p:spTree>
+    <p:extLst>
+      <p:ext uri="{BB962C8B-B14F-4D97-AF65-F5344CB8AC3E}">
+        <p14:creationId xmlns:p14="http://schemas.microsoft.com/office/powerpoint/2010/main" val="3793782296"/>
+      </p:ext>
+    </p:extLst>
+  </p:cSld>
+  <p:clrMapOvr>
+    <a:masterClrMapping/>
+  </p:clrMapOvr>
+</p:notes>
+</file>
+
+<file path=ppt/notesSlides/notesSlide2.xml><?xml version="1.0" encoding="utf-8"?>
 <p:notes xmlns:a="http://schemas.openxmlformats.org/drawingml/2006/main" xmlns:r="http://schemas.openxmlformats.org/officeDocument/2006/relationships" xmlns:p="http://schemas.openxmlformats.org/presentationml/2006/main">
   <p:cSld>
     <p:spTree>
@@ -5956,14 +6063,19 @@
           <a:p>
             <a:r>
               <a:rPr lang="en-GB" dirty="0"/>
-              <a:t>Based on the ideas presented by CLIC Sargent yesterday afternoon, we set off initially by determining what we deemed to be an important aspect of the desired application and making that our focus</a:t>
+              <a:t>We set off initially to determine what we believed to be an important functionality of the desired application and making that our focus</a:t>
             </a:r>
           </a:p>
           <a:p>
             <a:r>
               <a:rPr lang="en-GB" dirty="0"/>
-              <a:t>Our aim was to target our application at young teens</a:t>
-            </a:r>
+              <a:t>We decided as a group to focus our efforts on developing an application aimed at improving the lives young teens going through various stages </a:t>
+            </a:r>
+            <a:r>
+              <a:rPr lang="en-GB"/>
+              <a:t>of cancer</a:t>
+            </a:r>
+            <a:endParaRPr lang="en-GB" dirty="0"/>
           </a:p>
           <a:p>
             <a:r>
@@ -5973,10 +6085,9 @@
           </a:p>
           <a:p>
             <a:r>
-              <a:rPr lang="en-GB"/>
+              <a:rPr lang="en-GB" dirty="0"/>
               <a:t>Too often they must form new friendship groups, and many make new friends through the CLIC Sargent organisation</a:t>
             </a:r>
-            <a:endParaRPr lang="en-GB" dirty="0"/>
           </a:p>
           <a:p>
             <a:endParaRPr lang="en-GB" dirty="0"/>

--- a/CLIC_SARGENT.pptx
+++ b/CLIC_SARGENT.pptx
@@ -536,11 +536,189 @@
             </a:pPr>
             <a:r>
               <a:rPr lang="en-GB" dirty="0"/>
-              <a:t>Based on the ideas presented by CLIC Sargent yesterday afternoon, we set off initially  determining what we deemed to be an important aspect of the desired application and making that our focus</a:t>
-            </a:r>
-          </a:p>
-          <a:p>
+              <a:t>Speech notes: (feel free to improvise)</a:t>
+            </a:r>
+          </a:p>
+          <a:p>
+            <a:pPr marL="0" marR="0" lvl="0" indent="0" algn="l" defTabSz="914400" rtl="0" eaLnBrk="1" fontAlgn="auto" latinLnBrk="0" hangingPunct="1">
+              <a:lnSpc>
+                <a:spcPct val="100000"/>
+              </a:lnSpc>
+              <a:spcBef>
+                <a:spcPts val="0"/>
+              </a:spcBef>
+              <a:spcAft>
+                <a:spcPts val="0"/>
+              </a:spcAft>
+              <a:buClrTx/>
+              <a:buSzTx/>
+              <a:buFontTx/>
+              <a:buNone/>
+              <a:tabLst/>
+              <a:defRPr/>
+            </a:pPr>
+            <a:r>
+              <a:rPr lang="en-GB" strike="sngStrike" dirty="0"/>
+              <a:t>Based on the ideas presented by CLIC Sargent yesterday afternoon, we set off initially to determine what we deemed to be an important aspect of the desired application would have and then made that our focus</a:t>
+            </a:r>
+          </a:p>
+          <a:p>
+            <a:pPr marL="0" marR="0" lvl="0" indent="0" algn="l" defTabSz="914400" rtl="0" eaLnBrk="1" fontAlgn="auto" latinLnBrk="0" hangingPunct="1">
+              <a:lnSpc>
+                <a:spcPct val="100000"/>
+              </a:lnSpc>
+              <a:spcBef>
+                <a:spcPts val="0"/>
+              </a:spcBef>
+              <a:spcAft>
+                <a:spcPts val="0"/>
+              </a:spcAft>
+              <a:buClrTx/>
+              <a:buSzTx/>
+              <a:buFontTx/>
+              <a:buNone/>
+              <a:tabLst/>
+              <a:defRPr/>
+            </a:pPr>
             <a:endParaRPr lang="en-GB" dirty="0"/>
+          </a:p>
+          <a:p>
+            <a:pPr marL="0" marR="0" lvl="0" indent="0" algn="l" defTabSz="914400" rtl="0" eaLnBrk="1" fontAlgn="auto" latinLnBrk="0" hangingPunct="1">
+              <a:lnSpc>
+                <a:spcPct val="100000"/>
+              </a:lnSpc>
+              <a:spcBef>
+                <a:spcPts val="0"/>
+              </a:spcBef>
+              <a:spcAft>
+                <a:spcPts val="0"/>
+              </a:spcAft>
+              <a:buClrTx/>
+              <a:buSzTx/>
+              <a:buFontTx/>
+              <a:buNone/>
+              <a:tabLst/>
+              <a:defRPr/>
+            </a:pPr>
+            <a:r>
+              <a:rPr lang="en-GB" dirty="0"/>
+              <a:t>-We set off initially to determine what we believed to be an integral functionality of the desired application and set about making that our focus</a:t>
+            </a:r>
+          </a:p>
+          <a:p>
+            <a:pPr marL="0" marR="0" lvl="0" indent="0" algn="l" defTabSz="914400" rtl="0" eaLnBrk="1" fontAlgn="auto" latinLnBrk="0" hangingPunct="1">
+              <a:lnSpc>
+                <a:spcPct val="100000"/>
+              </a:lnSpc>
+              <a:spcBef>
+                <a:spcPts val="0"/>
+              </a:spcBef>
+              <a:spcAft>
+                <a:spcPts val="0"/>
+              </a:spcAft>
+              <a:buClrTx/>
+              <a:buSzTx/>
+              <a:buFontTx/>
+              <a:buNone/>
+              <a:tabLst/>
+              <a:defRPr/>
+            </a:pPr>
+            <a:endParaRPr lang="en-GB" dirty="0"/>
+          </a:p>
+          <a:p>
+            <a:pPr marL="0" marR="0" lvl="0" indent="0" algn="l" defTabSz="914400" rtl="0" eaLnBrk="1" fontAlgn="auto" latinLnBrk="0" hangingPunct="1">
+              <a:lnSpc>
+                <a:spcPct val="100000"/>
+              </a:lnSpc>
+              <a:spcBef>
+                <a:spcPts val="0"/>
+              </a:spcBef>
+              <a:spcAft>
+                <a:spcPts val="0"/>
+              </a:spcAft>
+              <a:buClrTx/>
+              <a:buSzTx/>
+              <a:buFontTx/>
+              <a:buNone/>
+              <a:tabLst/>
+              <a:defRPr/>
+            </a:pPr>
+            <a:r>
+              <a:rPr lang="en-GB" dirty="0"/>
+              <a:t>-We decided as a group to focus our efforts on developing an app aimed at improving the lives young teens going through various stages of cancer</a:t>
+            </a:r>
+          </a:p>
+          <a:p>
+            <a:pPr marL="0" marR="0" lvl="0" indent="0" algn="l" defTabSz="914400" rtl="0" eaLnBrk="1" fontAlgn="auto" latinLnBrk="0" hangingPunct="1">
+              <a:lnSpc>
+                <a:spcPct val="100000"/>
+              </a:lnSpc>
+              <a:spcBef>
+                <a:spcPts val="0"/>
+              </a:spcBef>
+              <a:spcAft>
+                <a:spcPts val="0"/>
+              </a:spcAft>
+              <a:buClrTx/>
+              <a:buSzTx/>
+              <a:buFontTx/>
+              <a:buNone/>
+              <a:tabLst/>
+              <a:defRPr/>
+            </a:pPr>
+            <a:endParaRPr lang="en-GB" dirty="0"/>
+          </a:p>
+          <a:p>
+            <a:pPr marL="0" marR="0" lvl="0" indent="0" algn="l" defTabSz="914400" rtl="0" eaLnBrk="1" fontAlgn="auto" latinLnBrk="0" hangingPunct="1">
+              <a:lnSpc>
+                <a:spcPct val="100000"/>
+              </a:lnSpc>
+              <a:spcBef>
+                <a:spcPts val="0"/>
+              </a:spcBef>
+              <a:spcAft>
+                <a:spcPts val="0"/>
+              </a:spcAft>
+              <a:buClrTx/>
+              <a:buSzTx/>
+              <a:buFontTx/>
+              <a:buNone/>
+              <a:tabLst/>
+              <a:defRPr/>
+            </a:pPr>
+            <a:r>
+              <a:rPr lang="en-GB" dirty="0"/>
+              <a:t>-Having spoken to Michael Wilkinson later, and found out among other things that this demographic often faces great difficulty in maintaining their friendship groups once cancer enters their lives</a:t>
+            </a:r>
+          </a:p>
+          <a:p>
+            <a:pPr marL="0" marR="0" lvl="0" indent="0" algn="l" defTabSz="914400" rtl="0" eaLnBrk="1" fontAlgn="auto" latinLnBrk="0" hangingPunct="1">
+              <a:lnSpc>
+                <a:spcPct val="100000"/>
+              </a:lnSpc>
+              <a:spcBef>
+                <a:spcPts val="0"/>
+              </a:spcBef>
+              <a:spcAft>
+                <a:spcPts val="0"/>
+              </a:spcAft>
+              <a:buClrTx/>
+              <a:buSzTx/>
+              <a:buFontTx/>
+              <a:buNone/>
+              <a:tabLst/>
+              <a:defRPr/>
+            </a:pPr>
+            <a:endParaRPr lang="en-GB" dirty="0"/>
+          </a:p>
+          <a:p>
+            <a:endParaRPr lang="en-GB" dirty="0"/>
+          </a:p>
+          <a:p>
+            <a:r>
+              <a:rPr lang="en-GB" dirty="0"/>
+              <a:t>As a group to focus our efforts on developing and app to improve the lives of adolescents going through different stages of cancer</a:t>
+            </a:r>
           </a:p>
         </p:txBody>
       </p:sp>
@@ -623,6 +801,15 @@
         <p:txBody>
           <a:bodyPr/>
           <a:lstStyle/>
+          <a:p>
+            <a:r>
+              <a:rPr lang="en-GB" dirty="0"/>
+              <a:t>Speech notes: (feel free to improvise)</a:t>
+            </a:r>
+          </a:p>
+          <a:p>
+            <a:endParaRPr lang="en-GB" dirty="0"/>
+          </a:p>
           <a:p>
             <a:r>
               <a:rPr lang="en-GB" dirty="0"/>
@@ -6063,24 +6250,19 @@
           <a:p>
             <a:r>
               <a:rPr lang="en-GB" dirty="0"/>
-              <a:t>We set off initially to determine what we believed to be an important functionality of the desired application and making that our focus</a:t>
+              <a:t>We determined what we believed as a group to be an integral functionality of the desired application and made that our focus</a:t>
             </a:r>
           </a:p>
           <a:p>
             <a:r>
               <a:rPr lang="en-GB" dirty="0"/>
-              <a:t>We decided as a group to focus our efforts on developing an application aimed at improving the lives young teens going through various stages </a:t>
-            </a:r>
-            <a:r>
-              <a:rPr lang="en-GB"/>
-              <a:t>of cancer</a:t>
-            </a:r>
-            <a:endParaRPr lang="en-GB" dirty="0"/>
+              <a:t>We decided to develop an app aimed at improving the lives young teens going through various stages of cancer</a:t>
+            </a:r>
           </a:p>
           <a:p>
             <a:r>
               <a:rPr lang="en-GB" dirty="0"/>
-              <a:t>Having spoken to Michael Wilkinson later, and found out among other things that this demographic often faces great difficulty in maintaining their friendship groups </a:t>
+              <a:t>We found out among other things that this demographic often faces great difficulty in maintaining old friendships</a:t>
             </a:r>
           </a:p>
           <a:p>

--- a/CLIC_SARGENT.pptx
+++ b/CLIC_SARGENT.pptx
@@ -602,7 +602,7 @@
             </a:pPr>
             <a:r>
               <a:rPr lang="en-GB" dirty="0"/>
-              <a:t>-We set off initially to determine what we believed to be an integral functionality of the desired application and set about making that our focus</a:t>
+              <a:t>-Taking into account our time limitations, we set off initially to determine what we believed to be an integral functionality of the desired application and set about making that our focus</a:t>
             </a:r>
           </a:p>
           <a:p>
@@ -6250,19 +6250,30 @@
           <a:p>
             <a:r>
               <a:rPr lang="en-GB" dirty="0"/>
-              <a:t>We determined what we believed as a group to be an integral functionality of the desired application and made that our focus</a:t>
+              <a:t>We determined as a group what we believed to be an integral functionality of the desired application and made that our focus</a:t>
             </a:r>
           </a:p>
           <a:p>
             <a:r>
               <a:rPr lang="en-GB" dirty="0"/>
-              <a:t>We decided to develop an app aimed at improving the lives young teens going through various stages of cancer</a:t>
+              <a:t>We decided to develop an app aimed at improving the lives of young teens going through various stages of cancer</a:t>
             </a:r>
           </a:p>
           <a:p>
             <a:r>
               <a:rPr lang="en-GB" dirty="0"/>
-              <a:t>We found out among other things that this demographic often faces great difficulty in maintaining old friendships</a:t>
+              <a:t>We wanted to provide a platform </a:t>
+            </a:r>
+            <a:r>
+              <a:rPr lang="en-GB"/>
+              <a:t>for young </a:t>
+            </a:r>
+            <a:endParaRPr lang="en-GB" dirty="0"/>
+          </a:p>
+          <a:p>
+            <a:r>
+              <a:rPr lang="en-GB" dirty="0"/>
+              <a:t>We also found out among other things that this demographic often faces great difficulty in maintaining old friendships</a:t>
             </a:r>
           </a:p>
           <a:p>

--- a/CLIC_SARGENT.pptx
+++ b/CLIC_SARGENT.pptx
@@ -602,7 +602,7 @@
             </a:pPr>
             <a:r>
               <a:rPr lang="en-GB" dirty="0"/>
-              <a:t>-Taking into account our time limitations, we set off initially to determine what we believed to be an integral functionality of the desired application and set about making that our focus</a:t>
+              <a:t>-Taking into account our time limitations, we set off initially to determine as a group what we believed to be an integral functionality of the desired application and set about making that our focus</a:t>
             </a:r>
           </a:p>
           <a:p>
@@ -692,33 +692,7 @@
             </a:r>
           </a:p>
           <a:p>
-            <a:pPr marL="0" marR="0" lvl="0" indent="0" algn="l" defTabSz="914400" rtl="0" eaLnBrk="1" fontAlgn="auto" latinLnBrk="0" hangingPunct="1">
-              <a:lnSpc>
-                <a:spcPct val="100000"/>
-              </a:lnSpc>
-              <a:spcBef>
-                <a:spcPts val="0"/>
-              </a:spcBef>
-              <a:spcAft>
-                <a:spcPts val="0"/>
-              </a:spcAft>
-              <a:buClrTx/>
-              <a:buSzTx/>
-              <a:buFontTx/>
-              <a:buNone/>
-              <a:tabLst/>
-              <a:defRPr/>
-            </a:pPr>
             <a:endParaRPr lang="en-GB" dirty="0"/>
-          </a:p>
-          <a:p>
-            <a:endParaRPr lang="en-GB" dirty="0"/>
-          </a:p>
-          <a:p>
-            <a:r>
-              <a:rPr lang="en-GB" dirty="0"/>
-              <a:t>As a group to focus our efforts on developing and app to improve the lives of adolescents going through different stages of cancer</a:t>
-            </a:r>
           </a:p>
         </p:txBody>
       </p:sp>
@@ -6245,41 +6219,31 @@
         </p:nvSpPr>
         <p:spPr/>
         <p:txBody>
-          <a:bodyPr/>
+          <a:bodyPr>
+            <a:normAutofit/>
+          </a:bodyPr>
           <a:lstStyle/>
           <a:p>
             <a:r>
               <a:rPr lang="en-GB" dirty="0"/>
-              <a:t>We determined as a group what we believed to be an integral functionality of the desired application and made that our focus</a:t>
-            </a:r>
+              <a:t>We determined as </a:t>
+            </a:r>
+            <a:r>
+              <a:rPr lang="en-GB"/>
+              <a:t>a group </a:t>
+            </a:r>
+            <a:r>
+              <a:rPr lang="en-GB" dirty="0"/>
+              <a:t>what we believed to be an integral functionality of the desired application and made that our focus</a:t>
+            </a:r>
+          </a:p>
+          <a:p>
+            <a:endParaRPr lang="en-GB" dirty="0"/>
           </a:p>
           <a:p>
             <a:r>
               <a:rPr lang="en-GB" dirty="0"/>
               <a:t>We decided to develop an app aimed at improving the lives of young teens going through various stages of cancer</a:t>
-            </a:r>
-          </a:p>
-          <a:p>
-            <a:r>
-              <a:rPr lang="en-GB" dirty="0"/>
-              <a:t>We wanted to provide a platform </a:t>
-            </a:r>
-            <a:r>
-              <a:rPr lang="en-GB"/>
-              <a:t>for young </a:t>
-            </a:r>
-            <a:endParaRPr lang="en-GB" dirty="0"/>
-          </a:p>
-          <a:p>
-            <a:r>
-              <a:rPr lang="en-GB" dirty="0"/>
-              <a:t>We also found out among other things that this demographic often faces great difficulty in maintaining old friendships</a:t>
-            </a:r>
-          </a:p>
-          <a:p>
-            <a:r>
-              <a:rPr lang="en-GB" dirty="0"/>
-              <a:t>Too often they must form new friendship groups, and many make new friends through the CLIC Sargent organisation</a:t>
             </a:r>
           </a:p>
           <a:p>
@@ -6363,10 +6327,45 @@
         </p:nvSpPr>
         <p:spPr/>
         <p:txBody>
-          <a:bodyPr/>
-          <a:lstStyle/>
-          <a:p>
+          <a:bodyPr>
+            <a:normAutofit/>
+          </a:bodyPr>
+          <a:lstStyle/>
+          <a:p>
+            <a:r>
+              <a:rPr lang="en-GB" dirty="0"/>
+              <a:t>Being a young teen is difficult without the added difficulties of living with cancer</a:t>
+            </a:r>
+          </a:p>
+          <a:p>
+            <a:pPr marL="0" indent="0">
+              <a:buNone/>
+            </a:pPr>
             <a:endParaRPr lang="en-GB" dirty="0"/>
+          </a:p>
+          <a:p>
+            <a:r>
+              <a:rPr lang="en-GB" dirty="0"/>
+              <a:t>We wanted to provide a platform for young people to be able to ask questions and know that they would be able to speak to someone who understood what they were going through</a:t>
+            </a:r>
+          </a:p>
+          <a:p>
+            <a:r>
+              <a:rPr lang="en-GB" dirty="0"/>
+              <a:t>We also found out among other things that this demographic often faces great difficulty in maintaining old friendships</a:t>
+            </a:r>
+          </a:p>
+          <a:p>
+            <a:r>
+              <a:rPr lang="en-GB" dirty="0"/>
+              <a:t>Too often they must form new friendship groups, and many make new friends through the CLIC Sargent organisation</a:t>
+            </a:r>
+          </a:p>
+          <a:p>
+            <a:r>
+              <a:rPr lang="en-GB" dirty="0"/>
+              <a:t>We aimed to provide a platform  for young people to be able to </a:t>
+            </a:r>
           </a:p>
         </p:txBody>
       </p:sp>

--- a/CLIC_SARGENT.pptx
+++ b/CLIC_SARGENT.pptx
@@ -5,14 +5,15 @@
     <p:sldMasterId id="2147483648" r:id="rId1"/>
   </p:sldMasterIdLst>
   <p:notesMasterIdLst>
-    <p:notesMasterId r:id="rId7"/>
+    <p:notesMasterId r:id="rId8"/>
   </p:notesMasterIdLst>
   <p:sldIdLst>
     <p:sldId id="256" r:id="rId2"/>
     <p:sldId id="260" r:id="rId3"/>
     <p:sldId id="257" r:id="rId4"/>
     <p:sldId id="261" r:id="rId5"/>
-    <p:sldId id="259" r:id="rId6"/>
+    <p:sldId id="262" r:id="rId6"/>
+    <p:sldId id="259" r:id="rId7"/>
   </p:sldIdLst>
   <p:sldSz cx="12192000" cy="6858000"/>
   <p:notesSz cx="6858000" cy="9144000"/>
@@ -688,8 +689,28 @@
             </a:pPr>
             <a:r>
               <a:rPr lang="en-GB" dirty="0"/>
-              <a:t>-Having spoken to Michael Wilkinson later, and found out among other things that this demographic often faces great difficulty in maintaining their friendship groups once cancer enters their lives</a:t>
-            </a:r>
+              <a:t>-We have defined our target audience to be within the ages of 13 and 16</a:t>
+            </a:r>
+          </a:p>
+          <a:p>
+            <a:pPr marL="0" marR="0" lvl="0" indent="0" algn="l" defTabSz="914400" rtl="0" eaLnBrk="1" fontAlgn="auto" latinLnBrk="0" hangingPunct="1">
+              <a:lnSpc>
+                <a:spcPct val="100000"/>
+              </a:lnSpc>
+              <a:spcBef>
+                <a:spcPts val="0"/>
+              </a:spcBef>
+              <a:spcAft>
+                <a:spcPts val="0"/>
+              </a:spcAft>
+              <a:buClrTx/>
+              <a:buSzTx/>
+              <a:buFontTx/>
+              <a:buNone/>
+              <a:tabLst/>
+              <a:defRPr/>
+            </a:pPr>
+            <a:endParaRPr lang="en-GB" dirty="0"/>
           </a:p>
           <a:p>
             <a:endParaRPr lang="en-GB" dirty="0"/>
@@ -812,9 +833,76 @@
               <a:defRPr/>
             </a:pPr>
             <a:r>
+              <a:rPr lang="en-GB"/>
+              <a:t>-Having had </a:t>
+            </a:r>
+            <a:r>
               <a:rPr lang="en-GB" dirty="0"/>
-              <a:t>-had a chance to speak to Michael Wilkinson later, we found out that amongst other things that this demographic often faces great difficulty in maintaining friendships due to cancer</a:t>
-            </a:r>
+              <a:t>a chance to speak to Michael Wilkinson later, we found out that amongst other things that this demographic often faces great difficulty in maintaining friendships due to cancer</a:t>
+            </a:r>
+          </a:p>
+          <a:p>
+            <a:pPr marL="0" marR="0" lvl="0" indent="0" algn="l" defTabSz="914400" rtl="0" eaLnBrk="1" fontAlgn="auto" latinLnBrk="0" hangingPunct="1">
+              <a:lnSpc>
+                <a:spcPct val="100000"/>
+              </a:lnSpc>
+              <a:spcBef>
+                <a:spcPts val="0"/>
+              </a:spcBef>
+              <a:spcAft>
+                <a:spcPts val="0"/>
+              </a:spcAft>
+              <a:buClrTx/>
+              <a:buSzTx/>
+              <a:buFontTx/>
+              <a:buNone/>
+              <a:tabLst/>
+              <a:defRPr/>
+            </a:pPr>
+            <a:endParaRPr lang="en-GB" dirty="0"/>
+          </a:p>
+          <a:p>
+            <a:pPr marL="0" marR="0" lvl="0" indent="0" algn="l" defTabSz="914400" rtl="0" eaLnBrk="1" fontAlgn="auto" latinLnBrk="0" hangingPunct="1">
+              <a:lnSpc>
+                <a:spcPct val="100000"/>
+              </a:lnSpc>
+              <a:spcBef>
+                <a:spcPts val="0"/>
+              </a:spcBef>
+              <a:spcAft>
+                <a:spcPts val="0"/>
+              </a:spcAft>
+              <a:buClrTx/>
+              <a:buSzTx/>
+              <a:buFontTx/>
+              <a:buNone/>
+              <a:tabLst/>
+              <a:defRPr/>
+            </a:pPr>
+            <a:r>
+              <a:rPr lang="en-GB" dirty="0"/>
+              <a:t>-We wanted to provide them a platform for them to be able to ask questions and know that they would be able to speak to someone who understood what they were going through</a:t>
+            </a:r>
+          </a:p>
+          <a:p>
+            <a:pPr marL="0" marR="0" lvl="0" indent="0" algn="l" defTabSz="914400" rtl="0" eaLnBrk="1" fontAlgn="auto" latinLnBrk="0" hangingPunct="1">
+              <a:lnSpc>
+                <a:spcPct val="100000"/>
+              </a:lnSpc>
+              <a:spcBef>
+                <a:spcPts val="0"/>
+              </a:spcBef>
+              <a:spcAft>
+                <a:spcPts val="0"/>
+              </a:spcAft>
+              <a:buClrTx/>
+              <a:buSzTx/>
+              <a:buFontTx/>
+              <a:buNone/>
+              <a:tabLst/>
+              <a:defRPr/>
+            </a:pPr>
+            <a:endParaRPr lang="en-GB" dirty="0"/>
           </a:p>
         </p:txBody>
       </p:sp>
@@ -845,6 +933,113 @@
     <p:extLst>
       <p:ext uri="{BB962C8B-B14F-4D97-AF65-F5344CB8AC3E}">
         <p14:creationId xmlns:p14="http://schemas.microsoft.com/office/powerpoint/2010/main" val="549107930"/>
+      </p:ext>
+    </p:extLst>
+  </p:cSld>
+  <p:clrMapOvr>
+    <a:masterClrMapping/>
+  </p:clrMapOvr>
+</p:notes>
+</file>
+
+<file path=ppt/notesSlides/notesSlide3.xml><?xml version="1.0" encoding="utf-8"?>
+<p:notes xmlns:a="http://schemas.openxmlformats.org/drawingml/2006/main" xmlns:r="http://schemas.openxmlformats.org/officeDocument/2006/relationships" xmlns:p="http://schemas.openxmlformats.org/presentationml/2006/main">
+  <p:cSld>
+    <p:spTree>
+      <p:nvGrpSpPr>
+        <p:cNvPr id="1" name=""/>
+        <p:cNvGrpSpPr/>
+        <p:nvPr/>
+      </p:nvGrpSpPr>
+      <p:grpSpPr>
+        <a:xfrm>
+          <a:off x="0" y="0"/>
+          <a:ext cx="0" cy="0"/>
+          <a:chOff x="0" y="0"/>
+          <a:chExt cx="0" cy="0"/>
+        </a:xfrm>
+      </p:grpSpPr>
+      <p:sp>
+        <p:nvSpPr>
+          <p:cNvPr id="2" name="Slide Image Placeholder 1"/>
+          <p:cNvSpPr>
+            <a:spLocks noGrp="1" noRot="1" noChangeAspect="1"/>
+          </p:cNvSpPr>
+          <p:nvPr>
+            <p:ph type="sldImg"/>
+          </p:nvPr>
+        </p:nvSpPr>
+        <p:spPr/>
+      </p:sp>
+      <p:sp>
+        <p:nvSpPr>
+          <p:cNvPr id="3" name="Notes Placeholder 2"/>
+          <p:cNvSpPr>
+            <a:spLocks noGrp="1"/>
+          </p:cNvSpPr>
+          <p:nvPr>
+            <p:ph type="body" idx="1"/>
+          </p:nvPr>
+        </p:nvSpPr>
+        <p:spPr/>
+        <p:txBody>
+          <a:bodyPr/>
+          <a:lstStyle/>
+          <a:p>
+            <a:pPr marL="0" marR="0" lvl="0" indent="0" algn="l" defTabSz="914400" rtl="0" eaLnBrk="1" fontAlgn="auto" latinLnBrk="0" hangingPunct="1">
+              <a:lnSpc>
+                <a:spcPct val="100000"/>
+              </a:lnSpc>
+              <a:spcBef>
+                <a:spcPts val="0"/>
+              </a:spcBef>
+              <a:spcAft>
+                <a:spcPts val="0"/>
+              </a:spcAft>
+              <a:buClrTx/>
+              <a:buSzTx/>
+              <a:buFontTx/>
+              <a:buNone/>
+              <a:tabLst/>
+              <a:defRPr/>
+            </a:pPr>
+            <a:r>
+              <a:rPr lang="en-GB" dirty="0"/>
+              <a:t>-Having spoken to Michael Wilkinson later, and found out among other things that this demographic often faces great difficulty in maintaining their friendship groups once cancer enters their lives</a:t>
+            </a:r>
+          </a:p>
+          <a:p>
+            <a:endParaRPr lang="en-GB" dirty="0"/>
+          </a:p>
+        </p:txBody>
+      </p:sp>
+      <p:sp>
+        <p:nvSpPr>
+          <p:cNvPr id="4" name="Slide Number Placeholder 3"/>
+          <p:cNvSpPr>
+            <a:spLocks noGrp="1"/>
+          </p:cNvSpPr>
+          <p:nvPr>
+            <p:ph type="sldNum" sz="quarter" idx="10"/>
+          </p:nvPr>
+        </p:nvSpPr>
+        <p:spPr/>
+        <p:txBody>
+          <a:bodyPr/>
+          <a:lstStyle/>
+          <a:p>
+            <a:fld id="{B29B852B-4F02-4C7C-87A4-F1EDE6054FFE}" type="slidenum">
+              <a:rPr lang="en-GB" smtClean="0"/>
+              <a:t>4</a:t>
+            </a:fld>
+            <a:endParaRPr lang="en-GB"/>
+          </a:p>
+        </p:txBody>
+      </p:sp>
+    </p:spTree>
+    <p:extLst>
+      <p:ext uri="{BB962C8B-B14F-4D97-AF65-F5344CB8AC3E}">
+        <p14:creationId xmlns:p14="http://schemas.microsoft.com/office/powerpoint/2010/main" val="3492894450"/>
       </p:ext>
     </p:extLst>
   </p:cSld>
@@ -6226,15 +6421,16 @@
           <a:p>
             <a:r>
               <a:rPr lang="en-GB" dirty="0"/>
-              <a:t>We determined as </a:t>
-            </a:r>
-            <a:r>
-              <a:rPr lang="en-GB"/>
-              <a:t>a group </a:t>
-            </a:r>
+              <a:t>We determined as a group what we believed to be an integral functionality of the desired application and made that our focus</a:t>
+            </a:r>
+          </a:p>
+          <a:p>
+            <a:endParaRPr lang="en-GB" dirty="0"/>
+          </a:p>
+          <a:p>
             <a:r>
               <a:rPr lang="en-GB" dirty="0"/>
-              <a:t>what we believed to be an integral functionality of the desired application and made that our focus</a:t>
+              <a:t>We decided to develop an app aimed at improving the lives of young people going through various stages of cancer</a:t>
             </a:r>
           </a:p>
           <a:p>
@@ -6243,7 +6439,7 @@
           <a:p>
             <a:r>
               <a:rPr lang="en-GB" dirty="0"/>
-              <a:t>We decided to develop an app aimed at improving the lives of young teens going through various stages of cancer</a:t>
+              <a:t>These young people would be between the ages of 13 and 16</a:t>
             </a:r>
           </a:p>
           <a:p>
@@ -6304,7 +6500,7 @@
           <a:p>
             <a:r>
               <a:rPr lang="en-GB" dirty="0"/>
-              <a:t>Aims of our proposed solution</a:t>
+              <a:t>Our proposed solution</a:t>
             </a:r>
           </a:p>
         </p:txBody>
@@ -6334,7 +6530,7 @@
           <a:p>
             <a:r>
               <a:rPr lang="en-GB" dirty="0"/>
-              <a:t>Being a young teen is difficult without the added difficulties of living with cancer</a:t>
+              <a:t>Being a young person is difficult enough without the added stress of living with cancer</a:t>
             </a:r>
           </a:p>
           <a:p>
@@ -6346,26 +6542,30 @@
           <a:p>
             <a:r>
               <a:rPr lang="en-GB" dirty="0"/>
-              <a:t>We wanted to provide a platform for young people to be able to ask questions and know that they would be able to speak to someone who understood what they were going through</a:t>
-            </a:r>
-          </a:p>
-          <a:p>
+              <a:t>They have questions, and lots of them! </a:t>
+            </a:r>
+          </a:p>
+          <a:p>
+            <a:pPr lvl="1"/>
             <a:r>
               <a:rPr lang="en-GB" dirty="0"/>
-              <a:t>We also found out among other things that this demographic often faces great difficulty in maintaining old friendships</a:t>
-            </a:r>
+              <a:t>About life in general, cancer and life with cancer</a:t>
+            </a:r>
+          </a:p>
+          <a:p>
+            <a:endParaRPr lang="en-GB" dirty="0"/>
           </a:p>
           <a:p>
             <a:r>
               <a:rPr lang="en-GB" dirty="0"/>
-              <a:t>Too often they must form new friendship groups, and many make new friends through the CLIC Sargent organisation</a:t>
-            </a:r>
-          </a:p>
-          <a:p>
-            <a:r>
-              <a:rPr lang="en-GB" dirty="0"/>
-              <a:t>We aimed to provide a platform  for young people to be able to </a:t>
-            </a:r>
+              <a:t>We wanted to provide them a platform for them to be able to ask questions and know that they would be able to speak to someone who understood what they were going through</a:t>
+            </a:r>
+          </a:p>
+          <a:p>
+            <a:pPr marL="0" indent="0">
+              <a:buNone/>
+            </a:pPr>
+            <a:endParaRPr lang="en-GB" dirty="0"/>
           </a:p>
         </p:txBody>
       </p:sp>
@@ -6420,7 +6620,10 @@
           <a:bodyPr/>
           <a:lstStyle/>
           <a:p>
-            <a:endParaRPr lang="en-GB"/>
+            <a:r>
+              <a:rPr lang="en-GB" dirty="0"/>
+              <a:t>Our proposed solution</a:t>
+            </a:r>
           </a:p>
         </p:txBody>
       </p:sp>
@@ -6445,7 +6648,37 @@
           <a:bodyPr/>
           <a:lstStyle/>
           <a:p>
-            <a:endParaRPr lang="en-GB"/>
+            <a:r>
+              <a:rPr lang="en-GB" dirty="0"/>
+              <a:t>We also found out among other things that this demographic often faces great difficulty in maintaining old friendships</a:t>
+            </a:r>
+          </a:p>
+          <a:p>
+            <a:endParaRPr lang="en-GB" dirty="0"/>
+          </a:p>
+          <a:p>
+            <a:r>
+              <a:rPr lang="en-GB" dirty="0"/>
+              <a:t>Too often they must form new friendship groups, and many make new friends through the CLIC Sargent organisation</a:t>
+            </a:r>
+          </a:p>
+          <a:p>
+            <a:endParaRPr lang="en-GB" dirty="0"/>
+          </a:p>
+          <a:p>
+            <a:r>
+              <a:rPr lang="en-GB" dirty="0"/>
+              <a:t>Given this, we decided to integrate this feature too </a:t>
+            </a:r>
+          </a:p>
+          <a:p>
+            <a:endParaRPr lang="en-GB" dirty="0"/>
+          </a:p>
+          <a:p>
+            <a:pPr marL="0" indent="0">
+              <a:buNone/>
+            </a:pPr>
+            <a:endParaRPr lang="en-GB" dirty="0"/>
           </a:p>
         </p:txBody>
       </p:sp>
@@ -6484,6 +6717,356 @@
           <p:cNvPr id="2" name="Title 1">
             <a:extLst>
               <a:ext uri="{FF2B5EF4-FFF2-40B4-BE49-F238E27FC236}">
+                <a16:creationId xmlns:a16="http://schemas.microsoft.com/office/drawing/2014/main" id="{006206E1-ABFF-4665-B925-63F8016C7504}"/>
+              </a:ext>
+            </a:extLst>
+          </p:cNvPr>
+          <p:cNvSpPr>
+            <a:spLocks noGrp="1"/>
+          </p:cNvSpPr>
+          <p:nvPr>
+            <p:ph type="title"/>
+          </p:nvPr>
+        </p:nvSpPr>
+        <p:spPr/>
+        <p:txBody>
+          <a:bodyPr/>
+          <a:lstStyle/>
+          <a:p>
+            <a:r>
+              <a:rPr lang="en-GB" dirty="0"/>
+              <a:t>Our Design</a:t>
+            </a:r>
+          </a:p>
+        </p:txBody>
+      </p:sp>
+      <p:sp>
+        <p:nvSpPr>
+          <p:cNvPr id="3" name="Content Placeholder 2">
+            <a:extLst>
+              <a:ext uri="{FF2B5EF4-FFF2-40B4-BE49-F238E27FC236}">
+                <a16:creationId xmlns:a16="http://schemas.microsoft.com/office/drawing/2014/main" id="{DA562BAA-B7D5-4378-9FBB-5A1C7BBFE11D}"/>
+              </a:ext>
+            </a:extLst>
+          </p:cNvPr>
+          <p:cNvSpPr>
+            <a:spLocks noGrp="1"/>
+          </p:cNvSpPr>
+          <p:nvPr>
+            <p:ph idx="1"/>
+          </p:nvPr>
+        </p:nvSpPr>
+        <p:spPr/>
+        <p:txBody>
+          <a:bodyPr/>
+          <a:lstStyle/>
+          <a:p>
+            <a:endParaRPr lang="en-GB" dirty="0"/>
+          </a:p>
+          <a:p>
+            <a:pPr marL="0" indent="0">
+              <a:buNone/>
+            </a:pPr>
+            <a:endParaRPr lang="en-GB" dirty="0"/>
+          </a:p>
+        </p:txBody>
+      </p:sp>
+      <p:sp>
+        <p:nvSpPr>
+          <p:cNvPr id="5" name="Content Placeholder 2">
+            <a:extLst>
+              <a:ext uri="{FF2B5EF4-FFF2-40B4-BE49-F238E27FC236}">
+                <a16:creationId xmlns:a16="http://schemas.microsoft.com/office/drawing/2014/main" id="{AB80F393-95E7-43EF-B374-F5FF784E8FCB}"/>
+              </a:ext>
+            </a:extLst>
+          </p:cNvPr>
+          <p:cNvSpPr txBox="1">
+            <a:spLocks/>
+          </p:cNvSpPr>
+          <p:nvPr/>
+        </p:nvSpPr>
+        <p:spPr>
+          <a:xfrm>
+            <a:off x="971112" y="2374687"/>
+            <a:ext cx="10554574" cy="3636511"/>
+          </a:xfrm>
+          <a:prstGeom prst="rect">
+            <a:avLst/>
+          </a:prstGeom>
+          <a:effectLst>
+            <a:outerShdw blurRad="50800" dir="14400000">
+              <a:srgbClr val="000000">
+                <a:alpha val="40000"/>
+              </a:srgbClr>
+            </a:outerShdw>
+          </a:effectLst>
+        </p:spPr>
+        <p:txBody>
+          <a:bodyPr vert="horz" lIns="91440" tIns="45720" rIns="91440" bIns="45720" rtlCol="0" anchor="ctr">
+            <a:normAutofit/>
+          </a:bodyPr>
+          <a:lstStyle>
+            <a:lvl1pPr marL="342900" indent="-342900" algn="l" defTabSz="457200" rtl="0" eaLnBrk="1" latinLnBrk="0" hangingPunct="1">
+              <a:spcBef>
+                <a:spcPct val="20000"/>
+              </a:spcBef>
+              <a:spcAft>
+                <a:spcPts val="600"/>
+              </a:spcAft>
+              <a:buClr>
+                <a:schemeClr val="accent1"/>
+              </a:buClr>
+              <a:buFont typeface="Wingdings 2" charset="2"/>
+              <a:buChar char=""/>
+              <a:defRPr sz="1800" kern="1200">
+                <a:solidFill>
+                  <a:schemeClr val="tx1"/>
+                </a:solidFill>
+                <a:latin typeface="+mn-lt"/>
+                <a:ea typeface="+mn-ea"/>
+                <a:cs typeface="+mn-cs"/>
+              </a:defRPr>
+            </a:lvl1pPr>
+            <a:lvl2pPr marL="742950" indent="-285750" algn="l" defTabSz="457200" rtl="0" eaLnBrk="1" latinLnBrk="0" hangingPunct="1">
+              <a:spcBef>
+                <a:spcPct val="20000"/>
+              </a:spcBef>
+              <a:spcAft>
+                <a:spcPts val="600"/>
+              </a:spcAft>
+              <a:buClr>
+                <a:schemeClr val="accent1"/>
+              </a:buClr>
+              <a:buFont typeface="Wingdings 2" charset="2"/>
+              <a:buChar char=""/>
+              <a:defRPr sz="1600" kern="1200">
+                <a:solidFill>
+                  <a:schemeClr val="tx1"/>
+                </a:solidFill>
+                <a:latin typeface="+mn-lt"/>
+                <a:ea typeface="+mn-ea"/>
+                <a:cs typeface="+mn-cs"/>
+              </a:defRPr>
+            </a:lvl2pPr>
+            <a:lvl3pPr marL="1143000" indent="-228600" algn="l" defTabSz="457200" rtl="0" eaLnBrk="1" latinLnBrk="0" hangingPunct="1">
+              <a:spcBef>
+                <a:spcPct val="20000"/>
+              </a:spcBef>
+              <a:spcAft>
+                <a:spcPts val="600"/>
+              </a:spcAft>
+              <a:buClr>
+                <a:schemeClr val="accent1"/>
+              </a:buClr>
+              <a:buFont typeface="Wingdings 2" charset="2"/>
+              <a:buChar char=""/>
+              <a:defRPr sz="1400" kern="1200">
+                <a:solidFill>
+                  <a:schemeClr val="tx1"/>
+                </a:solidFill>
+                <a:latin typeface="+mn-lt"/>
+                <a:ea typeface="+mn-ea"/>
+                <a:cs typeface="+mn-cs"/>
+              </a:defRPr>
+            </a:lvl3pPr>
+            <a:lvl4pPr marL="1600200" indent="-228600" algn="l" defTabSz="457200" rtl="0" eaLnBrk="1" latinLnBrk="0" hangingPunct="1">
+              <a:spcBef>
+                <a:spcPct val="20000"/>
+              </a:spcBef>
+              <a:spcAft>
+                <a:spcPts val="600"/>
+              </a:spcAft>
+              <a:buClr>
+                <a:schemeClr val="accent1"/>
+              </a:buClr>
+              <a:buFont typeface="Wingdings 2" charset="2"/>
+              <a:buChar char=""/>
+              <a:defRPr sz="1200" kern="1200">
+                <a:solidFill>
+                  <a:schemeClr val="tx1"/>
+                </a:solidFill>
+                <a:latin typeface="+mn-lt"/>
+                <a:ea typeface="+mn-ea"/>
+                <a:cs typeface="+mn-cs"/>
+              </a:defRPr>
+            </a:lvl4pPr>
+            <a:lvl5pPr marL="2057400" indent="-228600" algn="l" defTabSz="457200" rtl="0" eaLnBrk="1" latinLnBrk="0" hangingPunct="1">
+              <a:spcBef>
+                <a:spcPct val="20000"/>
+              </a:spcBef>
+              <a:spcAft>
+                <a:spcPts val="600"/>
+              </a:spcAft>
+              <a:buClr>
+                <a:schemeClr val="accent1"/>
+              </a:buClr>
+              <a:buFont typeface="Wingdings 2" charset="2"/>
+              <a:buChar char=""/>
+              <a:defRPr sz="1200" kern="1200">
+                <a:solidFill>
+                  <a:schemeClr val="tx1"/>
+                </a:solidFill>
+                <a:latin typeface="+mn-lt"/>
+                <a:ea typeface="+mn-ea"/>
+                <a:cs typeface="+mn-cs"/>
+              </a:defRPr>
+            </a:lvl5pPr>
+            <a:lvl6pPr marL="2400000" indent="-228600" algn="l" defTabSz="457200" rtl="0" eaLnBrk="1" latinLnBrk="0" hangingPunct="1">
+              <a:spcBef>
+                <a:spcPct val="20000"/>
+              </a:spcBef>
+              <a:spcAft>
+                <a:spcPts val="600"/>
+              </a:spcAft>
+              <a:buClr>
+                <a:schemeClr val="accent1"/>
+              </a:buClr>
+              <a:buFont typeface="Wingdings 2" charset="2"/>
+              <a:buChar char=""/>
+              <a:defRPr sz="1200" kern="1200">
+                <a:solidFill>
+                  <a:schemeClr val="tx1"/>
+                </a:solidFill>
+                <a:latin typeface="+mn-lt"/>
+                <a:ea typeface="+mn-ea"/>
+                <a:cs typeface="+mn-cs"/>
+              </a:defRPr>
+            </a:lvl6pPr>
+            <a:lvl7pPr marL="2800000" indent="-228600" algn="l" defTabSz="457200" rtl="0" eaLnBrk="1" latinLnBrk="0" hangingPunct="1">
+              <a:spcBef>
+                <a:spcPct val="20000"/>
+              </a:spcBef>
+              <a:spcAft>
+                <a:spcPts val="600"/>
+              </a:spcAft>
+              <a:buClr>
+                <a:schemeClr val="accent1"/>
+              </a:buClr>
+              <a:buFont typeface="Wingdings 2" charset="2"/>
+              <a:buChar char=""/>
+              <a:defRPr sz="1200" kern="1200">
+                <a:solidFill>
+                  <a:schemeClr val="tx1"/>
+                </a:solidFill>
+                <a:latin typeface="+mn-lt"/>
+                <a:ea typeface="+mn-ea"/>
+                <a:cs typeface="+mn-cs"/>
+              </a:defRPr>
+            </a:lvl7pPr>
+            <a:lvl8pPr marL="3200000" indent="-228600" algn="l" defTabSz="457200" rtl="0" eaLnBrk="1" latinLnBrk="0" hangingPunct="1">
+              <a:spcBef>
+                <a:spcPct val="20000"/>
+              </a:spcBef>
+              <a:spcAft>
+                <a:spcPts val="600"/>
+              </a:spcAft>
+              <a:buClr>
+                <a:schemeClr val="accent1"/>
+              </a:buClr>
+              <a:buFont typeface="Wingdings 2" charset="2"/>
+              <a:buChar char=""/>
+              <a:defRPr sz="1200" kern="1200">
+                <a:solidFill>
+                  <a:schemeClr val="tx1"/>
+                </a:solidFill>
+                <a:latin typeface="+mn-lt"/>
+                <a:ea typeface="+mn-ea"/>
+                <a:cs typeface="+mn-cs"/>
+              </a:defRPr>
+            </a:lvl8pPr>
+            <a:lvl9pPr marL="3600000" indent="-228600" algn="l" defTabSz="457200" rtl="0" eaLnBrk="1" latinLnBrk="0" hangingPunct="1">
+              <a:spcBef>
+                <a:spcPct val="20000"/>
+              </a:spcBef>
+              <a:spcAft>
+                <a:spcPts val="600"/>
+              </a:spcAft>
+              <a:buClr>
+                <a:schemeClr val="accent1"/>
+              </a:buClr>
+              <a:buFont typeface="Wingdings 2" charset="2"/>
+              <a:buChar char=""/>
+              <a:defRPr sz="1200" kern="1200">
+                <a:solidFill>
+                  <a:schemeClr val="tx1"/>
+                </a:solidFill>
+                <a:latin typeface="+mn-lt"/>
+                <a:ea typeface="+mn-ea"/>
+                <a:cs typeface="+mn-cs"/>
+              </a:defRPr>
+            </a:lvl9pPr>
+          </a:lstStyle>
+          <a:p>
+            <a:r>
+              <a:rPr lang="en-GB" dirty="0"/>
+              <a:t>Our design had to be appropriate for the target audience and this has influenced our styling choices</a:t>
+            </a:r>
+          </a:p>
+          <a:p>
+            <a:endParaRPr lang="en-GB" dirty="0"/>
+          </a:p>
+          <a:p>
+            <a:r>
+              <a:rPr lang="en-GB" dirty="0"/>
+              <a:t>Too often they must form new friendship groups, and many make new friends through the CLIC Sargent organisation</a:t>
+            </a:r>
+          </a:p>
+          <a:p>
+            <a:endParaRPr lang="en-GB" dirty="0"/>
+          </a:p>
+          <a:p>
+            <a:r>
+              <a:rPr lang="en-GB" dirty="0"/>
+              <a:t>Given this, we decided to integrate this feature too </a:t>
+            </a:r>
+          </a:p>
+          <a:p>
+            <a:endParaRPr lang="en-GB" dirty="0"/>
+          </a:p>
+          <a:p>
+            <a:pPr marL="0" indent="0">
+              <a:buFont typeface="Wingdings 2" charset="2"/>
+              <a:buNone/>
+            </a:pPr>
+            <a:endParaRPr lang="en-GB" dirty="0"/>
+          </a:p>
+        </p:txBody>
+      </p:sp>
+    </p:spTree>
+    <p:extLst>
+      <p:ext uri="{BB962C8B-B14F-4D97-AF65-F5344CB8AC3E}">
+        <p14:creationId xmlns:p14="http://schemas.microsoft.com/office/powerpoint/2010/main" val="1380815561"/>
+      </p:ext>
+    </p:extLst>
+  </p:cSld>
+  <p:clrMapOvr>
+    <a:masterClrMapping/>
+  </p:clrMapOvr>
+</p:sld>
+</file>
+
+<file path=ppt/slides/slide6.xml><?xml version="1.0" encoding="utf-8"?>
+<p:sld xmlns:a="http://schemas.openxmlformats.org/drawingml/2006/main" xmlns:r="http://schemas.openxmlformats.org/officeDocument/2006/relationships" xmlns:p="http://schemas.openxmlformats.org/presentationml/2006/main">
+  <p:cSld>
+    <p:spTree>
+      <p:nvGrpSpPr>
+        <p:cNvPr id="1" name=""/>
+        <p:cNvGrpSpPr/>
+        <p:nvPr/>
+      </p:nvGrpSpPr>
+      <p:grpSpPr>
+        <a:xfrm>
+          <a:off x="0" y="0"/>
+          <a:ext cx="0" cy="0"/>
+          <a:chOff x="0" y="0"/>
+          <a:chExt cx="0" cy="0"/>
+        </a:xfrm>
+      </p:grpSpPr>
+      <p:sp>
+        <p:nvSpPr>
+          <p:cNvPr id="2" name="Title 1">
+            <a:extLst>
+              <a:ext uri="{FF2B5EF4-FFF2-40B4-BE49-F238E27FC236}">
                 <a16:creationId xmlns:a16="http://schemas.microsoft.com/office/drawing/2014/main" id="{946E929F-2EA8-4ABB-A747-61C2B646CC1B}"/>
               </a:ext>
             </a:extLst>
@@ -6528,7 +7111,7 @@
           <a:bodyPr/>
           <a:lstStyle/>
           <a:p>
-            <a:endParaRPr lang="en-GB"/>
+            <a:endParaRPr lang="en-GB" dirty="0"/>
           </a:p>
         </p:txBody>
       </p:sp>

--- a/CLIC_SARGENT.pptx
+++ b/CLIC_SARGENT.pptx
@@ -833,12 +833,8 @@
               <a:defRPr/>
             </a:pPr>
             <a:r>
-              <a:rPr lang="en-GB"/>
-              <a:t>-Having had </a:t>
-            </a:r>
-            <a:r>
               <a:rPr lang="en-GB" dirty="0"/>
-              <a:t>a chance to speak to Michael Wilkinson later, we found out that amongst other things that this demographic often faces great difficulty in maintaining friendships due to cancer</a:t>
+              <a:t>-Having had a chance to speak to Michael Wilkinson later, we found out that amongst other things that this demographic often faces great difficulty in maintaining friendships due to cancer</a:t>
             </a:r>
           </a:p>
           <a:p>
@@ -6463,6 +6459,16 @@
 <file path=ppt/slides/slide3.xml><?xml version="1.0" encoding="utf-8"?>
 <p:sld xmlns:a="http://schemas.openxmlformats.org/drawingml/2006/main" xmlns:r="http://schemas.openxmlformats.org/officeDocument/2006/relationships" xmlns:p="http://schemas.openxmlformats.org/presentationml/2006/main">
   <p:cSld>
+    <p:bg>
+      <p:bgPr>
+        <a:solidFill>
+          <a:schemeClr val="bg2">
+            <a:alpha val="91000"/>
+          </a:schemeClr>
+        </a:solidFill>
+        <a:effectLst/>
+      </p:bgPr>
+    </p:bg>
     <p:spTree>
       <p:nvGrpSpPr>
         <p:cNvPr id="1" name=""/>
@@ -7156,7 +7162,7 @@
 <file path=ppt/theme/theme1.xml><?xml version="1.0" encoding="utf-8"?>
 <a:theme xmlns:a="http://schemas.openxmlformats.org/drawingml/2006/main" name="Quotable">
   <a:themeElements>
-    <a:clrScheme name="Custom 2">
+    <a:clrScheme name="Custom 5">
       <a:dk1>
         <a:sysClr val="windowText" lastClr="000000"/>
       </a:dk1>
@@ -7170,10 +7176,10 @@
         <a:srgbClr val="636363"/>
       </a:lt2>
       <a:accent1>
-        <a:srgbClr val="E24ACC"/>
+        <a:srgbClr val="BA0A7E"/>
       </a:accent1>
       <a:accent2>
-        <a:srgbClr val="C922E1"/>
+        <a:srgbClr val="BA0A7E"/>
       </a:accent2>
       <a:accent3>
         <a:srgbClr val="60B1F2"/>

--- a/CLIC_SARGENT.pptx
+++ b/CLIC_SARGENT.pptx
@@ -118,10 +118,6 @@
     </p:ext>
   </p:extLst>
 </p:presentation>
-</file>
-
-<file path=ppt/revisionInfo.xml><?xml version="1.0" encoding="utf-8"?>
-<p1510:revInfo xmlns:a="http://schemas.openxmlformats.org/drawingml/2006/main" xmlns:r="http://schemas.openxmlformats.org/officeDocument/2006/relationships" xmlns:p1510="http://schemas.microsoft.com/office/powerpoint/2015/10/main"/>
 </file>
 
 <file path=ppt/notesMasters/notesMaster1.xml><?xml version="1.0" encoding="utf-8"?>

--- a/CLIC_SARGENT.pptx
+++ b/CLIC_SARGENT.pptx
@@ -1,6 +1,6 @@
 
 <file path=ppt/presentation.xml><?xml version="1.0" encoding="utf-8"?>
-<p:presentation xmlns:a="http://schemas.openxmlformats.org/drawingml/2006/main" xmlns:r="http://schemas.openxmlformats.org/officeDocument/2006/relationships" xmlns:p="http://schemas.openxmlformats.org/presentationml/2006/main" autoCompressPictures="0">
+<p:presentation xmlns:a="http://schemas.openxmlformats.org/drawingml/2006/main" xmlns:r="http://schemas.openxmlformats.org/officeDocument/2006/relationships" xmlns:p="http://schemas.openxmlformats.org/presentationml/2006/main" saveSubsetFonts="1" autoCompressPictures="0">
   <p:sldMasterIdLst>
     <p:sldMasterId id="2147483648" r:id="rId1"/>
   </p:sldMasterIdLst>
@@ -1136,7 +1136,7 @@
           <a:effectLst/>
           <a:extLst>
             <a:ext uri="{91240B29-F687-4f45-9708-019B960494DF}">
-              <a14:hiddenLine xmlns:a14="http://schemas.microsoft.com/office/drawing/2010/main" xmlns="" w="9525">
+              <a14:hiddenLine xmlns="" xmlns:a14="http://schemas.microsoft.com/office/drawing/2010/main" w="9525">
                 <a:solidFill>
                   <a:srgbClr val="000000"/>
                 </a:solidFill>
@@ -1329,7 +1329,7 @@
             <a:fld id="{08B9EBBA-996F-894A-B54A-D6246ED52CEA}" type="datetimeFigureOut">
               <a:rPr lang="en-US" dirty="0"/>
               <a:pPr/>
-              <a:t>11/18/2017</a:t>
+              <a:t>11/18/17</a:t>
             </a:fld>
             <a:endParaRPr lang="en-US" dirty="0"/>
           </a:p>
@@ -1644,7 +1644,7 @@
             <a:fld id="{18C79C5D-2A6F-F04D-97DA-BEF2467B64E4}" type="datetimeFigureOut">
               <a:rPr lang="en-US" dirty="0"/>
               <a:pPr/>
-              <a:t>11/18/2017</a:t>
+              <a:t>11/18/17</a:t>
             </a:fld>
             <a:endParaRPr lang="en-US" dirty="0"/>
           </a:p>
@@ -2129,7 +2129,7 @@
             <a:fld id="{8DFA1846-DA80-1C48-A609-854EA85C59AD}" type="datetimeFigureOut">
               <a:rPr lang="en-US" dirty="0"/>
               <a:pPr/>
-              <a:t>11/18/2017</a:t>
+              <a:t>11/18/17</a:t>
             </a:fld>
             <a:endParaRPr lang="en-US" dirty="0"/>
           </a:p>
@@ -2495,7 +2495,7 @@
             <a:fld id="{FBF54567-0DE4-3F47-BF90-CB84690072F9}" type="datetimeFigureOut">
               <a:rPr lang="en-US" dirty="0"/>
               <a:pPr/>
-              <a:t>11/18/2017</a:t>
+              <a:t>11/18/17</a:t>
             </a:fld>
             <a:endParaRPr lang="en-US" dirty="0"/>
           </a:p>
@@ -2646,7 +2646,7 @@
           <a:ln/>
           <a:extLst>
             <a:ext uri="{91240B29-F687-4f45-9708-019B960494DF}">
-              <a14:hiddenLine xmlns:a14="http://schemas.microsoft.com/office/drawing/2010/main" xmlns="" w="9525">
+              <a14:hiddenLine xmlns="" xmlns:a14="http://schemas.microsoft.com/office/drawing/2010/main" w="9525">
                 <a:solidFill>
                   <a:srgbClr val="000000"/>
                 </a:solidFill>
@@ -2765,7 +2765,7 @@
             <a:fld id="{C6C52C72-DE31-F449-A4ED-4C594FD91407}" type="datetimeFigureOut">
               <a:rPr lang="en-US" dirty="0"/>
               <a:pPr/>
-              <a:t>11/18/2017</a:t>
+              <a:t>11/18/17</a:t>
             </a:fld>
             <a:endParaRPr lang="en-US" dirty="0"/>
           </a:p>
@@ -2918,7 +2918,7 @@
           <a:ln/>
           <a:extLst>
             <a:ext uri="{91240B29-F687-4f45-9708-019B960494DF}">
-              <a14:hiddenLine xmlns:a14="http://schemas.microsoft.com/office/drawing/2010/main" xmlns="" w="9525">
+              <a14:hiddenLine xmlns="" xmlns:a14="http://schemas.microsoft.com/office/drawing/2010/main" w="9525">
                 <a:solidFill>
                   <a:srgbClr val="000000"/>
                 </a:solidFill>
@@ -3047,7 +3047,7 @@
             <a:fld id="{ED62726E-379B-B349-9EED-81ED093FA806}" type="datetimeFigureOut">
               <a:rPr lang="en-US" dirty="0"/>
               <a:pPr/>
-              <a:t>11/18/2017</a:t>
+              <a:t>11/18/17</a:t>
             </a:fld>
             <a:endParaRPr lang="en-US" dirty="0"/>
           </a:p>
@@ -3198,7 +3198,7 @@
           <a:ln/>
           <a:extLst>
             <a:ext uri="{91240B29-F687-4f45-9708-019B960494DF}">
-              <a14:hiddenLine xmlns:a14="http://schemas.microsoft.com/office/drawing/2010/main" xmlns="" w="9525">
+              <a14:hiddenLine xmlns="" xmlns:a14="http://schemas.microsoft.com/office/drawing/2010/main" w="9525">
                 <a:solidFill>
                   <a:srgbClr val="000000"/>
                 </a:solidFill>
@@ -3327,7 +3327,7 @@
             <a:fld id="{9B3A1323-8D79-1946-B0D7-40001CF92E9D}" type="datetimeFigureOut">
               <a:rPr lang="en-US" dirty="0"/>
               <a:pPr/>
-              <a:t>11/18/2017</a:t>
+              <a:t>11/18/17</a:t>
             </a:fld>
             <a:endParaRPr lang="en-US" dirty="0"/>
           </a:p>
@@ -3667,7 +3667,7 @@
             <a:fld id="{8DFA1846-DA80-1C48-A609-854EA85C59AD}" type="datetimeFigureOut">
               <a:rPr lang="en-US" dirty="0"/>
               <a:pPr/>
-              <a:t>11/18/2017</a:t>
+              <a:t>11/18/17</a:t>
             </a:fld>
             <a:endParaRPr lang="en-US" dirty="0"/>
           </a:p>
@@ -3818,7 +3818,7 @@
           <a:ln/>
           <a:extLst>
             <a:ext uri="{91240B29-F687-4f45-9708-019B960494DF}">
-              <a14:hiddenLine xmlns:a14="http://schemas.microsoft.com/office/drawing/2010/main" xmlns="" w="9525">
+              <a14:hiddenLine xmlns="" xmlns:a14="http://schemas.microsoft.com/office/drawing/2010/main" w="9525">
                 <a:solidFill>
                   <a:srgbClr val="000000"/>
                 </a:solidFill>
@@ -4003,7 +4003,7 @@
             <a:fld id="{57302355-E14B-8545-A8F8-0FE83CC9D524}" type="datetimeFigureOut">
               <a:rPr lang="en-US" dirty="0"/>
               <a:pPr/>
-              <a:t>11/18/2017</a:t>
+              <a:t>11/18/17</a:t>
             </a:fld>
             <a:endParaRPr lang="en-US" dirty="0"/>
           </a:p>
@@ -4154,7 +4154,7 @@
           <a:ln/>
           <a:extLst>
             <a:ext uri="{91240B29-F687-4f45-9708-019B960494DF}">
-              <a14:hiddenLine xmlns:a14="http://schemas.microsoft.com/office/drawing/2010/main" xmlns="" w="9525">
+              <a14:hiddenLine xmlns="" xmlns:a14="http://schemas.microsoft.com/office/drawing/2010/main" w="9525">
                 <a:solidFill>
                   <a:srgbClr val="000000"/>
                 </a:solidFill>
@@ -4477,7 +4477,7 @@
             <a:fld id="{02640F58-564D-2B4F-AE67-E407BA4FCF45}" type="datetimeFigureOut">
               <a:rPr lang="en-US" dirty="0"/>
               <a:pPr/>
-              <a:t>11/18/2017</a:t>
+              <a:t>11/18/17</a:t>
             </a:fld>
             <a:endParaRPr lang="en-US" dirty="0"/>
           </a:p>
@@ -4628,7 +4628,7 @@
           <a:ln/>
           <a:extLst>
             <a:ext uri="{91240B29-F687-4f45-9708-019B960494DF}">
-              <a14:hiddenLine xmlns:a14="http://schemas.microsoft.com/office/drawing/2010/main" xmlns="" w="9525">
+              <a14:hiddenLine xmlns="" xmlns:a14="http://schemas.microsoft.com/office/drawing/2010/main" w="9525">
                 <a:solidFill>
                   <a:srgbClr val="000000"/>
                 </a:solidFill>
@@ -4695,7 +4695,7 @@
             <a:fld id="{F13A34C8-038E-2045-AF43-DF7DBB8E0E9E}" type="datetimeFigureOut">
               <a:rPr lang="en-US" dirty="0"/>
               <a:pPr/>
-              <a:t>11/18/2017</a:t>
+              <a:t>11/18/17</a:t>
             </a:fld>
             <a:endParaRPr lang="en-US" dirty="0"/>
           </a:p>
@@ -4787,7 +4787,7 @@
             <a:fld id="{8818C68F-D26B-8F47-958C-23B49CF8A634}" type="datetimeFigureOut">
               <a:rPr lang="en-US" dirty="0"/>
               <a:pPr/>
-              <a:t>11/18/2017</a:t>
+              <a:t>11/18/17</a:t>
             </a:fld>
             <a:endParaRPr lang="en-US" dirty="0"/>
           </a:p>
@@ -5051,7 +5051,7 @@
           <a:ln/>
           <a:extLst>
             <a:ext uri="{91240B29-F687-4f45-9708-019B960494DF}">
-              <a14:hiddenLine xmlns:a14="http://schemas.microsoft.com/office/drawing/2010/main" xmlns="" w="9525">
+              <a14:hiddenLine xmlns="" xmlns:a14="http://schemas.microsoft.com/office/drawing/2010/main" w="9525">
                 <a:solidFill>
                   <a:srgbClr val="000000"/>
                 </a:solidFill>
@@ -5251,7 +5251,7 @@
             <a:fld id="{D0DF5E60-9974-AC48-9591-99C2BB44B7CF}" type="datetimeFigureOut">
               <a:rPr lang="en-US" dirty="0"/>
               <a:pPr/>
-              <a:t>11/18/2017</a:t>
+              <a:t>11/18/17</a:t>
             </a:fld>
             <a:endParaRPr lang="en-US" dirty="0"/>
           </a:p>
@@ -5561,7 +5561,7 @@
             <a:fld id="{18C79C5D-2A6F-F04D-97DA-BEF2467B64E4}" type="datetimeFigureOut">
               <a:rPr lang="en-US" dirty="0"/>
               <a:pPr/>
-              <a:t>11/18/2017</a:t>
+              <a:t>11/18/17</a:t>
             </a:fld>
             <a:endParaRPr lang="en-US" dirty="0"/>
           </a:p>
@@ -5828,7 +5828,7 @@
             <a:fld id="{09B482E8-6E0E-1B4F-B1FD-C69DB9E858D9}" type="datetimeFigureOut">
               <a:rPr lang="en-US" dirty="0"/>
               <a:pPr/>
-              <a:t>11/18/2017</a:t>
+              <a:t>11/18/17</a:t>
             </a:fld>
             <a:endParaRPr lang="en-US" dirty="0"/>
           </a:p>
@@ -6279,7 +6279,7 @@
           <p:cNvPr id="2" name="Title 1">
             <a:extLst>
               <a:ext uri="{FF2B5EF4-FFF2-40B4-BE49-F238E27FC236}">
-                <a16:creationId xmlns:a16="http://schemas.microsoft.com/office/drawing/2014/main" id="{87EF3C62-AE21-433E-9DDD-1AF2308FEB19}"/>
+                <a16:creationId xmlns:a16="http://schemas.microsoft.com/office/drawing/2014/main" xmlns="" id="{87EF3C62-AE21-433E-9DDD-1AF2308FEB19}"/>
               </a:ext>
             </a:extLst>
           </p:cNvPr>
@@ -6307,7 +6307,7 @@
           <p:cNvPr id="3" name="Subtitle 2">
             <a:extLst>
               <a:ext uri="{FF2B5EF4-FFF2-40B4-BE49-F238E27FC236}">
-                <a16:creationId xmlns:a16="http://schemas.microsoft.com/office/drawing/2014/main" id="{91015894-63A4-4EC9-B0DF-D169B8690396}"/>
+                <a16:creationId xmlns:a16="http://schemas.microsoft.com/office/drawing/2014/main" xmlns="" id="{91015894-63A4-4EC9-B0DF-D169B8690396}"/>
               </a:ext>
             </a:extLst>
           </p:cNvPr>
@@ -6365,7 +6365,7 @@
           <p:cNvPr id="2" name="Title 1">
             <a:extLst>
               <a:ext uri="{FF2B5EF4-FFF2-40B4-BE49-F238E27FC236}">
-                <a16:creationId xmlns:a16="http://schemas.microsoft.com/office/drawing/2014/main" id="{6174CA65-F825-4CC8-A7E5-D7B009EDB769}"/>
+                <a16:creationId xmlns:a16="http://schemas.microsoft.com/office/drawing/2014/main" xmlns="" id="{6174CA65-F825-4CC8-A7E5-D7B009EDB769}"/>
               </a:ext>
             </a:extLst>
           </p:cNvPr>
@@ -6393,7 +6393,7 @@
           <p:cNvPr id="3" name="Content Placeholder 2">
             <a:extLst>
               <a:ext uri="{FF2B5EF4-FFF2-40B4-BE49-F238E27FC236}">
-                <a16:creationId xmlns:a16="http://schemas.microsoft.com/office/drawing/2014/main" id="{0C790F57-0372-410E-9E7B-68EFA1D9BA55}"/>
+                <a16:creationId xmlns:a16="http://schemas.microsoft.com/office/drawing/2014/main" xmlns="" id="{0C790F57-0372-410E-9E7B-68EFA1D9BA55}"/>
               </a:ext>
             </a:extLst>
           </p:cNvPr>
@@ -6484,7 +6484,7 @@
           <p:cNvPr id="2" name="Title 1">
             <a:extLst>
               <a:ext uri="{FF2B5EF4-FFF2-40B4-BE49-F238E27FC236}">
-                <a16:creationId xmlns:a16="http://schemas.microsoft.com/office/drawing/2014/main" id="{8A7957A5-7F94-44D2-83C8-7EFD597721BF}"/>
+                <a16:creationId xmlns:a16="http://schemas.microsoft.com/office/drawing/2014/main" xmlns="" id="{8A7957A5-7F94-44D2-83C8-7EFD597721BF}"/>
               </a:ext>
             </a:extLst>
           </p:cNvPr>
@@ -6512,7 +6512,7 @@
           <p:cNvPr id="3" name="Content Placeholder 2">
             <a:extLst>
               <a:ext uri="{FF2B5EF4-FFF2-40B4-BE49-F238E27FC236}">
-                <a16:creationId xmlns:a16="http://schemas.microsoft.com/office/drawing/2014/main" id="{5359EE83-3AD0-4C5A-AF59-C849F5625978}"/>
+                <a16:creationId xmlns:a16="http://schemas.microsoft.com/office/drawing/2014/main" xmlns="" id="{5359EE83-3AD0-4C5A-AF59-C849F5625978}"/>
               </a:ext>
             </a:extLst>
           </p:cNvPr>
@@ -6606,7 +6606,7 @@
           <p:cNvPr id="2" name="Title 1">
             <a:extLst>
               <a:ext uri="{FF2B5EF4-FFF2-40B4-BE49-F238E27FC236}">
-                <a16:creationId xmlns:a16="http://schemas.microsoft.com/office/drawing/2014/main" id="{006206E1-ABFF-4665-B925-63F8016C7504}"/>
+                <a16:creationId xmlns:a16="http://schemas.microsoft.com/office/drawing/2014/main" xmlns="" id="{006206E1-ABFF-4665-B925-63F8016C7504}"/>
               </a:ext>
             </a:extLst>
           </p:cNvPr>
@@ -6634,7 +6634,7 @@
           <p:cNvPr id="3" name="Content Placeholder 2">
             <a:extLst>
               <a:ext uri="{FF2B5EF4-FFF2-40B4-BE49-F238E27FC236}">
-                <a16:creationId xmlns:a16="http://schemas.microsoft.com/office/drawing/2014/main" id="{DA562BAA-B7D5-4378-9FBB-5A1C7BBFE11D}"/>
+                <a16:creationId xmlns:a16="http://schemas.microsoft.com/office/drawing/2014/main" xmlns="" id="{DA562BAA-B7D5-4378-9FBB-5A1C7BBFE11D}"/>
               </a:ext>
             </a:extLst>
           </p:cNvPr>
@@ -6719,7 +6719,7 @@
           <p:cNvPr id="2" name="Title 1">
             <a:extLst>
               <a:ext uri="{FF2B5EF4-FFF2-40B4-BE49-F238E27FC236}">
-                <a16:creationId xmlns:a16="http://schemas.microsoft.com/office/drawing/2014/main" id="{006206E1-ABFF-4665-B925-63F8016C7504}"/>
+                <a16:creationId xmlns:a16="http://schemas.microsoft.com/office/drawing/2014/main" xmlns="" id="{006206E1-ABFF-4665-B925-63F8016C7504}"/>
               </a:ext>
             </a:extLst>
           </p:cNvPr>
@@ -6747,7 +6747,7 @@
           <p:cNvPr id="3" name="Content Placeholder 2">
             <a:extLst>
               <a:ext uri="{FF2B5EF4-FFF2-40B4-BE49-F238E27FC236}">
-                <a16:creationId xmlns:a16="http://schemas.microsoft.com/office/drawing/2014/main" id="{DA562BAA-B7D5-4378-9FBB-5A1C7BBFE11D}"/>
+                <a16:creationId xmlns:a16="http://schemas.microsoft.com/office/drawing/2014/main" xmlns="" id="{DA562BAA-B7D5-4378-9FBB-5A1C7BBFE11D}"/>
               </a:ext>
             </a:extLst>
           </p:cNvPr>
@@ -6778,7 +6778,7 @@
           <p:cNvPr id="5" name="Content Placeholder 2">
             <a:extLst>
               <a:ext uri="{FF2B5EF4-FFF2-40B4-BE49-F238E27FC236}">
-                <a16:creationId xmlns:a16="http://schemas.microsoft.com/office/drawing/2014/main" id="{AB80F393-95E7-43EF-B374-F5FF784E8FCB}"/>
+                <a16:creationId xmlns:a16="http://schemas.microsoft.com/office/drawing/2014/main" xmlns="" id="{AB80F393-95E7-43EF-B374-F5FF784E8FCB}"/>
               </a:ext>
             </a:extLst>
           </p:cNvPr>
@@ -7069,7 +7069,7 @@
           <p:cNvPr id="2" name="Title 1">
             <a:extLst>
               <a:ext uri="{FF2B5EF4-FFF2-40B4-BE49-F238E27FC236}">
-                <a16:creationId xmlns:a16="http://schemas.microsoft.com/office/drawing/2014/main" id="{946E929F-2EA8-4ABB-A747-61C2B646CC1B}"/>
+                <a16:creationId xmlns:a16="http://schemas.microsoft.com/office/drawing/2014/main" xmlns="" id="{946E929F-2EA8-4ABB-A747-61C2B646CC1B}"/>
               </a:ext>
             </a:extLst>
           </p:cNvPr>
@@ -7086,9 +7086,10 @@
           <a:lstStyle/>
           <a:p>
             <a:r>
-              <a:rPr lang="en-GB" dirty="0"/>
-              <a:t>Our Design</a:t>
-            </a:r>
+              <a:rPr lang="en-GB" dirty="0" smtClean="0"/>
+              <a:t>Thank you!</a:t>
+            </a:r>
+            <a:endParaRPr lang="en-GB" dirty="0"/>
           </a:p>
         </p:txBody>
       </p:sp>
@@ -7097,7 +7098,7 @@
           <p:cNvPr id="3" name="Content Placeholder 2">
             <a:extLst>
               <a:ext uri="{FF2B5EF4-FFF2-40B4-BE49-F238E27FC236}">
-                <a16:creationId xmlns:a16="http://schemas.microsoft.com/office/drawing/2014/main" id="{12A9FE08-2A59-48CC-8D53-40DD86CAF51A}"/>
+                <a16:creationId xmlns:a16="http://schemas.microsoft.com/office/drawing/2014/main" xmlns="" id="{12A9FE08-2A59-48CC-8D53-40DD86CAF51A}"/>
               </a:ext>
             </a:extLst>
           </p:cNvPr>
@@ -7108,37 +7109,26 @@
             <p:ph sz="half" idx="1"/>
           </p:nvPr>
         </p:nvSpPr>
-        <p:spPr/>
-        <p:txBody>
-          <a:bodyPr/>
+        <p:spPr>
+          <a:xfrm>
+            <a:off x="2007204" y="2477998"/>
+            <a:ext cx="8177589" cy="3047545"/>
+          </a:xfrm>
+        </p:spPr>
+        <p:txBody>
+          <a:bodyPr>
+            <a:normAutofit/>
+          </a:bodyPr>
           <a:lstStyle/>
           <a:p>
-            <a:endParaRPr lang="en-GB" dirty="0"/>
-          </a:p>
-        </p:txBody>
-      </p:sp>
-      <p:sp>
-        <p:nvSpPr>
-          <p:cNvPr id="4" name="Content Placeholder 3">
-            <a:extLst>
-              <a:ext uri="{FF2B5EF4-FFF2-40B4-BE49-F238E27FC236}">
-                <a16:creationId xmlns:a16="http://schemas.microsoft.com/office/drawing/2014/main" id="{9E23F980-BD7D-4644-A732-35C31807D507}"/>
-              </a:ext>
-            </a:extLst>
-          </p:cNvPr>
-          <p:cNvSpPr>
-            <a:spLocks noGrp="1"/>
-          </p:cNvSpPr>
-          <p:nvPr>
-            <p:ph sz="half" idx="2"/>
-          </p:nvPr>
-        </p:nvSpPr>
-        <p:spPr/>
-        <p:txBody>
-          <a:bodyPr/>
-          <a:lstStyle/>
-          <a:p>
-            <a:endParaRPr lang="en-GB"/>
+            <a:pPr marL="0" indent="0" algn="ctr">
+              <a:buNone/>
+            </a:pPr>
+            <a:r>
+              <a:rPr lang="en-GB" sz="4000" dirty="0" smtClean="0"/>
+              <a:t>Any Questions?</a:t>
+            </a:r>
+            <a:endParaRPr lang="en-GB" sz="4000" dirty="0"/>
           </a:p>
         </p:txBody>
       </p:sp>
